--- a/UPEM-Topic_modeling.pptx
+++ b/UPEM-Topic_modeling.pptx
@@ -5,7 +5,7 @@
     <p:sldMasterId id="2147483648" r:id="rId1"/>
   </p:sldMasterIdLst>
   <p:notesMasterIdLst>
-    <p:notesMasterId r:id="rId18"/>
+    <p:notesMasterId r:id="rId28"/>
   </p:notesMasterIdLst>
   <p:sldIdLst>
     <p:sldId id="256" r:id="rId2"/>
@@ -24,6 +24,16 @@
     <p:sldId id="269" r:id="rId15"/>
     <p:sldId id="270" r:id="rId16"/>
     <p:sldId id="271" r:id="rId17"/>
+    <p:sldId id="275" r:id="rId18"/>
+    <p:sldId id="274" r:id="rId19"/>
+    <p:sldId id="272" r:id="rId20"/>
+    <p:sldId id="273" r:id="rId21"/>
+    <p:sldId id="276" r:id="rId22"/>
+    <p:sldId id="277" r:id="rId23"/>
+    <p:sldId id="278" r:id="rId24"/>
+    <p:sldId id="279" r:id="rId25"/>
+    <p:sldId id="280" r:id="rId26"/>
+    <p:sldId id="281" r:id="rId27"/>
   </p:sldIdLst>
   <p:sldSz cx="12192000" cy="6858000"/>
   <p:notesSz cx="6858000" cy="9144000"/>
@@ -3535,14 +3545,6 @@
               </a:rPr>
               <a:t>Approche Probabiliste: LDA</a:t>
             </a:r>
-            <a:endParaRPr lang="en-US" sz="3600" b="1" smtClean="0">
-              <a:solidFill>
-                <a:srgbClr val="ED5B00"/>
-              </a:solidFill>
-              <a:latin typeface="Arial" charset="0"/>
-              <a:ea typeface="Arial" charset="0"/>
-              <a:cs typeface="Arial" charset="0"/>
-            </a:endParaRPr>
           </a:p>
         </p:txBody>
       </p:sp>
@@ -3681,14 +3683,6 @@
               </a:rPr>
               <a:t>Latent Dirichlet Allocation</a:t>
             </a:r>
-            <a:endParaRPr lang="en-US" sz="3600" b="1" smtClean="0">
-              <a:solidFill>
-                <a:srgbClr val="ED5B00"/>
-              </a:solidFill>
-              <a:latin typeface="Arial" charset="0"/>
-              <a:ea typeface="Arial" charset="0"/>
-              <a:cs typeface="Arial" charset="0"/>
-            </a:endParaRPr>
           </a:p>
         </p:txBody>
       </p:sp>
@@ -3827,14 +3821,6 @@
               </a:rPr>
               <a:t>Librairies</a:t>
             </a:r>
-            <a:endParaRPr lang="en-US" sz="3600" b="1" smtClean="0">
-              <a:solidFill>
-                <a:srgbClr val="ED5B00"/>
-              </a:solidFill>
-              <a:latin typeface="Arial" charset="0"/>
-              <a:ea typeface="Arial" charset="0"/>
-              <a:cs typeface="Arial" charset="0"/>
-            </a:endParaRPr>
           </a:p>
         </p:txBody>
       </p:sp>
@@ -3884,13 +3870,7 @@
               <a:rPr lang="fr-FR">
                 <a:hlinkClick r:id="rId2"/>
               </a:rPr>
-              <a:t>://</a:t>
-            </a:r>
-            <a:r>
-              <a:rPr lang="fr-FR">
-                <a:hlinkClick r:id="rId2"/>
-              </a:rPr>
-              <a:t>radimrehurek.com/gensim</a:t>
+              <a:t>://radimrehurek.com/gensim</a:t>
             </a:r>
             <a:r>
               <a:rPr lang="fr-FR" smtClean="0">
@@ -3904,11 +3884,7 @@
             </a:r>
             <a:r>
               <a:rPr lang="fr-FR"/>
-              <a:t>- Topic Modelling </a:t>
-            </a:r>
-            <a:r>
-              <a:rPr lang="fr-FR"/>
-              <a:t>for </a:t>
+              <a:t>- Topic Modelling for </a:t>
             </a:r>
             <a:r>
               <a:rPr lang="fr-FR" smtClean="0"/>
@@ -3922,11 +3898,7 @@
             </a:pPr>
             <a:r>
               <a:rPr lang="fr-FR"/>
-              <a:t>LDA </a:t>
-            </a:r>
-            <a:r>
-              <a:rPr lang="fr-FR"/>
-              <a:t>Python </a:t>
+              <a:t>LDA Python </a:t>
             </a:r>
             <a:r>
               <a:rPr lang="fr-FR" smtClean="0"/>
@@ -4014,11 +3986,7 @@
             </a:r>
             <a:r>
               <a:rPr lang="fr-FR"/>
-              <a:t>://</a:t>
-            </a:r>
-            <a:r>
-              <a:rPr lang="fr-FR"/>
-              <a:t>structuraltopicmodel.com</a:t>
+              <a:t>://structuraltopicmodel.com</a:t>
             </a:r>
             <a:r>
               <a:rPr lang="fr-FR" smtClean="0"/>
@@ -4123,14 +4091,6 @@
               </a:rPr>
               <a:t>Premier exemple de topic modeling</a:t>
             </a:r>
-            <a:endParaRPr lang="en-US" sz="3600" b="1" smtClean="0">
-              <a:solidFill>
-                <a:srgbClr val="ED5B00"/>
-              </a:solidFill>
-              <a:latin typeface="Arial" charset="0"/>
-              <a:ea typeface="Arial" charset="0"/>
-              <a:cs typeface="Arial" charset="0"/>
-            </a:endParaRPr>
           </a:p>
         </p:txBody>
       </p:sp>
@@ -4224,13 +4184,7 @@
               <a:rPr lang="fr-FR">
                 <a:hlinkClick r:id="rId2"/>
               </a:rPr>
-              <a:t>http</a:t>
-            </a:r>
-            <a:r>
-              <a:rPr lang="fr-FR">
-                <a:hlinkClick r:id="rId2"/>
-              </a:rPr>
-              <a:t>://</a:t>
+              <a:t>http://</a:t>
             </a:r>
             <a:r>
               <a:rPr lang="fr-FR" smtClean="0">
@@ -4249,13 +4203,7 @@
               <a:rPr lang="fr-FR">
                 <a:hlinkClick r:id="rId3"/>
               </a:rPr>
-              <a:t>http</a:t>
-            </a:r>
-            <a:r>
-              <a:rPr lang="fr-FR">
-                <a:hlinkClick r:id="rId3"/>
-              </a:rPr>
-              <a:t>://</a:t>
+              <a:t>http://</a:t>
             </a:r>
             <a:r>
               <a:rPr lang="fr-FR" smtClean="0">
@@ -4453,14 +4401,6 @@
               </a:rPr>
               <a:t>STM R package</a:t>
             </a:r>
-            <a:endParaRPr lang="en-US" sz="3600" b="1" smtClean="0">
-              <a:solidFill>
-                <a:srgbClr val="ED5B00"/>
-              </a:solidFill>
-              <a:latin typeface="Arial" charset="0"/>
-              <a:ea typeface="Arial" charset="0"/>
-              <a:cs typeface="Arial" charset="0"/>
-            </a:endParaRPr>
           </a:p>
         </p:txBody>
       </p:sp>
@@ -5071,13 +5011,7 @@
               <a:rPr lang="fr-FR">
                 <a:hlinkClick r:id="rId3"/>
               </a:rPr>
-              <a:t>http</a:t>
-            </a:r>
-            <a:r>
-              <a:rPr lang="fr-FR">
-                <a:hlinkClick r:id="rId3"/>
-              </a:rPr>
-              <a:t>://</a:t>
+              <a:t>http://</a:t>
             </a:r>
             <a:r>
               <a:rPr lang="fr-FR" smtClean="0">
@@ -5095,13 +5029,7 @@
               <a:rPr lang="fr-FR">
                 <a:hlinkClick r:id="rId4"/>
               </a:rPr>
-              <a:t>https</a:t>
-            </a:r>
-            <a:r>
-              <a:rPr lang="fr-FR">
-                <a:hlinkClick r:id="rId4"/>
-              </a:rPr>
-              <a:t>://</a:t>
+              <a:t>https://</a:t>
             </a:r>
             <a:r>
               <a:rPr lang="fr-FR" smtClean="0">
@@ -5180,14 +5108,6 @@
               </a:rPr>
               <a:t>Parametres de LDA</a:t>
             </a:r>
-            <a:endParaRPr lang="en-US" sz="3600" b="1" smtClean="0">
-              <a:solidFill>
-                <a:srgbClr val="ED5B00"/>
-              </a:solidFill>
-              <a:latin typeface="Arial" charset="0"/>
-              <a:ea typeface="Arial" charset="0"/>
-              <a:cs typeface="Arial" charset="0"/>
-            </a:endParaRPr>
           </a:p>
         </p:txBody>
       </p:sp>
@@ -5229,11 +5149,7 @@
             </a:r>
             <a:r>
               <a:rPr lang="fr-FR"/>
-              <a:t>: Nombre de topics </a:t>
-            </a:r>
-            <a:r>
-              <a:rPr lang="fr-FR"/>
-              <a:t>par </a:t>
+              <a:t>: Nombre de topics par </a:t>
             </a:r>
             <a:r>
               <a:rPr lang="fr-FR" smtClean="0"/>
@@ -5292,27 +5208,13 @@
             </a:pPr>
             <a:r>
               <a:rPr lang="fr-FR"/>
-              <a:t>Hierarchical </a:t>
-            </a:r>
-            <a:r>
-              <a:rPr lang="fr-FR"/>
-              <a:t>Dirichlet </a:t>
-            </a:r>
-            <a:r>
-              <a:rPr lang="fr-FR"/>
-              <a:t>process a la place de LDA </a:t>
+              <a:t>Hierarchical Dirichlet process a la place de LDA </a:t>
             </a:r>
             <a:r>
               <a:rPr lang="fr-FR">
                 <a:hlinkClick r:id="rId2"/>
               </a:rPr>
-              <a:t>https</a:t>
-            </a:r>
-            <a:r>
-              <a:rPr lang="fr-FR">
-                <a:hlinkClick r:id="rId2"/>
-              </a:rPr>
-              <a:t>://</a:t>
+              <a:t>https://</a:t>
             </a:r>
             <a:r>
               <a:rPr lang="fr-FR" smtClean="0">
@@ -5348,13 +5250,7 @@
               <a:rPr lang="fr-FR">
                 <a:hlinkClick r:id="rId3"/>
               </a:rPr>
-              <a:t>https</a:t>
-            </a:r>
-            <a:r>
-              <a:rPr lang="fr-FR">
-                <a:hlinkClick r:id="rId3"/>
-              </a:rPr>
-              <a:t>://</a:t>
+              <a:t>https://</a:t>
             </a:r>
             <a:r>
               <a:rPr lang="fr-FR" smtClean="0">
@@ -5421,57 +5317,41 @@
             </a:r>
             <a:r>
               <a:rPr lang="fr-FR"/>
-              <a:t>: it is maximized when the most probable words in a given topic frequently </a:t>
-            </a:r>
+              <a:t>: it is maximized when the most probable words in a given topic frequently co-occur </a:t>
+            </a:r>
+            <a:r>
+              <a:rPr lang="fr-FR" smtClean="0"/>
+              <a:t>together</a:t>
+            </a:r>
+          </a:p>
+          <a:p>
             <a:r>
               <a:rPr lang="fr-FR"/>
-              <a:t>co-occur </a:t>
-            </a:r>
-            <a:r>
-              <a:rPr lang="fr-FR" smtClean="0"/>
-              <a:t>together</a:t>
+              <a:t>attaining high semantic coherence was relatively easy by having a few topics dominated by very common words</a:t>
+            </a:r>
+            <a:r>
+              <a:rPr lang="fr-FR" smtClean="0"/>
+              <a:t>.</a:t>
             </a:r>
           </a:p>
           <a:p>
             <a:r>
               <a:rPr lang="fr-FR"/>
-              <a:t>attaining high semantic coherence was relatively easy by having a few topics dominated by very common </a:t>
+              <a:t>a metric to summarize topics that combines term frequency and exclusivity to that topic into a </a:t>
+            </a:r>
+            <a:r>
+              <a:rPr lang="fr-FR" smtClean="0"/>
+              <a:t>univariate</a:t>
+            </a:r>
+          </a:p>
+          <a:p>
+            <a:r>
+              <a:rPr lang="fr-FR" smtClean="0"/>
+              <a:t> </a:t>
             </a:r>
             <a:r>
               <a:rPr lang="fr-FR"/>
-              <a:t>words</a:t>
-            </a:r>
-            <a:r>
-              <a:rPr lang="fr-FR" smtClean="0"/>
-              <a:t>.</a:t>
-            </a:r>
-          </a:p>
-          <a:p>
-            <a:r>
-              <a:rPr lang="fr-FR"/>
-              <a:t>a metric to summarize topics that combines term frequency and exclusivity to that topic into </a:t>
-            </a:r>
-            <a:r>
-              <a:rPr lang="fr-FR"/>
-              <a:t>a </a:t>
-            </a:r>
-            <a:r>
-              <a:rPr lang="fr-FR" smtClean="0"/>
-              <a:t>univariate</a:t>
-            </a:r>
-          </a:p>
-          <a:p>
-            <a:r>
-              <a:rPr lang="fr-FR" smtClean="0"/>
-              <a:t> </a:t>
-            </a:r>
-            <a:r>
-              <a:rPr lang="fr-FR"/>
-              <a:t>summary statistic referred to </a:t>
-            </a:r>
-            <a:r>
-              <a:rPr lang="fr-FR"/>
-              <a:t>as </a:t>
+              <a:t>summary statistic referred to as </a:t>
             </a:r>
             <a:r>
               <a:rPr lang="fr-FR" smtClean="0"/>
@@ -5496,11 +5376,7 @@
             </a:r>
             <a:r>
               <a:rPr lang="fr-FR"/>
-              <a:t>harmonic mean ensures that chosen terms are both frequent and exclusive</a:t>
-            </a:r>
-            <a:r>
-              <a:rPr lang="fr-FR"/>
-              <a:t>, </a:t>
+              <a:t>harmonic mean ensures that chosen terms are both frequent and exclusive, </a:t>
             </a:r>
             <a:endParaRPr lang="fr-FR" smtClean="0"/>
           </a:p>
@@ -5555,7 +5431,7 @@
         <p:spPr>
           <a:xfrm>
             <a:off x="405627" y="103134"/>
-            <a:ext cx="4442242" cy="646331"/>
+            <a:ext cx="1903085" cy="646331"/>
           </a:xfrm>
           <a:prstGeom prst="rect">
             <a:avLst/>
@@ -5577,7 +5453,7 @@
                 <a:ea typeface="Arial" charset="0"/>
                 <a:cs typeface="Arial" charset="0"/>
               </a:rPr>
-              <a:t>Parametres de LDA</a:t>
+              <a:t>Rstudio</a:t>
             </a:r>
             <a:endParaRPr lang="en-US" sz="3600" b="1" smtClean="0">
               <a:solidFill>
@@ -5622,13 +5498,7 @@
               <a:rPr lang="fr-FR">
                 <a:hlinkClick r:id="rId2"/>
               </a:rPr>
-              <a:t>https://</a:t>
-            </a:r>
-            <a:r>
-              <a:rPr lang="fr-FR">
-                <a:hlinkClick r:id="rId2"/>
-              </a:rPr>
-              <a:t>www.rstudio.com/products/rstudio/download</a:t>
+              <a:t>https://www.rstudio.com/products/rstudio/download</a:t>
             </a:r>
             <a:r>
               <a:rPr lang="fr-FR" smtClean="0">
@@ -5767,6 +5637,1024 @@
   <p:clrMapOvr>
     <a:masterClrMapping/>
   </p:clrMapOvr>
+</p:sld>
+</file>
+
+<file path=ppt/slides/slide17.xml><?xml version="1.0" encoding="utf-8"?>
+<p:sld xmlns:a="http://schemas.openxmlformats.org/drawingml/2006/main" xmlns:r="http://schemas.openxmlformats.org/officeDocument/2006/relationships" xmlns:p="http://schemas.openxmlformats.org/presentationml/2006/main">
+  <p:cSld>
+    <p:spTree>
+      <p:nvGrpSpPr>
+        <p:cNvPr id="1" name=""/>
+        <p:cNvGrpSpPr/>
+        <p:nvPr/>
+      </p:nvGrpSpPr>
+      <p:grpSpPr>
+        <a:xfrm>
+          <a:off x="0" y="0"/>
+          <a:ext cx="0" cy="0"/>
+          <a:chOff x="0" y="0"/>
+          <a:chExt cx="0" cy="0"/>
+        </a:xfrm>
+      </p:grpSpPr>
+      <p:sp>
+        <p:nvSpPr>
+          <p:cNvPr id="7" name="TextBox 6"/>
+          <p:cNvSpPr txBox="1"/>
+          <p:nvPr/>
+        </p:nvSpPr>
+        <p:spPr>
+          <a:xfrm>
+            <a:off x="405627" y="103134"/>
+            <a:ext cx="10178940" cy="646331"/>
+          </a:xfrm>
+          <a:prstGeom prst="rect">
+            <a:avLst/>
+          </a:prstGeom>
+          <a:noFill/>
+        </p:spPr>
+        <p:txBody>
+          <a:bodyPr wrap="none" rtlCol="0">
+            <a:spAutoFit/>
+          </a:bodyPr>
+          <a:lstStyle/>
+          <a:p>
+            <a:r>
+              <a:rPr lang="en-US" sz="3600" b="1" smtClean="0">
+                <a:solidFill>
+                  <a:srgbClr val="ED5B00"/>
+                </a:solidFill>
+                <a:latin typeface="Arial" charset="0"/>
+                <a:ea typeface="Arial" charset="0"/>
+                <a:cs typeface="Arial" charset="0"/>
+              </a:rPr>
+              <a:t>Lab 1: Topic Modeling sur IEEE - ArsTechnica</a:t>
+            </a:r>
+            <a:endParaRPr lang="en-US" sz="3600" b="1" smtClean="0">
+              <a:solidFill>
+                <a:srgbClr val="ED5B00"/>
+              </a:solidFill>
+              <a:latin typeface="Arial" charset="0"/>
+              <a:ea typeface="Arial" charset="0"/>
+              <a:cs typeface="Arial" charset="0"/>
+            </a:endParaRPr>
+          </a:p>
+        </p:txBody>
+      </p:sp>
+      <p:sp>
+        <p:nvSpPr>
+          <p:cNvPr id="2" name="TextBox 1"/>
+          <p:cNvSpPr txBox="1"/>
+          <p:nvPr/>
+        </p:nvSpPr>
+        <p:spPr>
+          <a:xfrm>
+            <a:off x="1115122" y="1271239"/>
+            <a:ext cx="8795741" cy="3693319"/>
+          </a:xfrm>
+          <a:prstGeom prst="rect">
+            <a:avLst/>
+          </a:prstGeom>
+          <a:noFill/>
+        </p:spPr>
+        <p:txBody>
+          <a:bodyPr wrap="none" rtlCol="0">
+            <a:spAutoFit/>
+          </a:bodyPr>
+          <a:lstStyle/>
+          <a:p>
+            <a:pPr marL="285750" indent="-285750">
+              <a:buFont typeface="Arial" charset="0"/>
+              <a:buChar char="•"/>
+            </a:pPr>
+            <a:r>
+              <a:rPr lang="fr-FR"/>
+              <a:t>Lire et Stocker les donnees dans une dataframe: </a:t>
+            </a:r>
+            <a:r>
+              <a:rPr lang="fr-FR" b="1"/>
+              <a:t>read.csv</a:t>
+            </a:r>
+          </a:p>
+          <a:p>
+            <a:pPr marL="285750" indent="-285750">
+              <a:buFont typeface="Arial" charset="0"/>
+              <a:buChar char="•"/>
+            </a:pPr>
+            <a:r>
+              <a:rPr lang="fr-FR" b="1" smtClean="0"/>
+              <a:t>textProcessor</a:t>
+            </a:r>
+            <a:r>
+              <a:rPr lang="fr-FR" smtClean="0"/>
+              <a:t>: preprocessing du texte, transformations</a:t>
+            </a:r>
+          </a:p>
+          <a:p>
+            <a:pPr marL="742950" lvl="1" indent="-285750">
+              <a:buFont typeface="Arial" charset="0"/>
+              <a:buChar char="•"/>
+            </a:pPr>
+            <a:r>
+              <a:rPr lang="fr-FR" smtClean="0"/>
+              <a:t>removestopwords  </a:t>
+            </a:r>
+            <a:r>
+              <a:rPr lang="fr-FR"/>
+              <a:t>: filtrer </a:t>
+            </a:r>
+            <a:r>
+              <a:rPr lang="fr-FR"/>
+              <a:t>les </a:t>
+            </a:r>
+            <a:r>
+              <a:rPr lang="fr-FR" smtClean="0"/>
+              <a:t>stopwords</a:t>
+            </a:r>
+          </a:p>
+          <a:p>
+            <a:pPr marL="742950" lvl="1" indent="-285750">
+              <a:buFont typeface="Arial" charset="0"/>
+              <a:buChar char="•"/>
+            </a:pPr>
+            <a:r>
+              <a:rPr lang="fr-FR" smtClean="0"/>
+              <a:t>removenumbers , removepunctuation </a:t>
+            </a:r>
+            <a:r>
+              <a:rPr lang="fr-FR"/>
+              <a:t>: enlever </a:t>
+            </a:r>
+            <a:r>
+              <a:rPr lang="fr-FR"/>
+              <a:t>les </a:t>
+            </a:r>
+            <a:r>
+              <a:rPr lang="fr-FR" smtClean="0"/>
+              <a:t>chiffres et signes </a:t>
+            </a:r>
+            <a:r>
+              <a:rPr lang="fr-FR"/>
+              <a:t>de </a:t>
+            </a:r>
+            <a:r>
+              <a:rPr lang="fr-FR" smtClean="0"/>
+              <a:t>ponctuation</a:t>
+            </a:r>
+          </a:p>
+          <a:p>
+            <a:pPr marL="742950" lvl="1" indent="-285750">
+              <a:buFont typeface="Arial" charset="0"/>
+              <a:buChar char="•"/>
+            </a:pPr>
+            <a:r>
+              <a:rPr lang="fr-FR" smtClean="0"/>
+              <a:t>wordLengths      </a:t>
+            </a:r>
+            <a:r>
+              <a:rPr lang="fr-FR"/>
+              <a:t>: ne garder que les mots </a:t>
+            </a:r>
+            <a:r>
+              <a:rPr lang="fr-FR"/>
+              <a:t>de </a:t>
+            </a:r>
+            <a:r>
+              <a:rPr lang="fr-FR" smtClean="0"/>
+              <a:t>n </a:t>
+            </a:r>
+            <a:r>
+              <a:rPr lang="fr-FR"/>
+              <a:t>characteres </a:t>
+            </a:r>
+            <a:r>
+              <a:rPr lang="fr-FR"/>
+              <a:t>ou </a:t>
+            </a:r>
+            <a:r>
+              <a:rPr lang="fr-FR" smtClean="0"/>
+              <a:t>plus</a:t>
+            </a:r>
+          </a:p>
+          <a:p>
+            <a:pPr marL="742950" lvl="1" indent="-285750">
+              <a:buFont typeface="Arial" charset="0"/>
+              <a:buChar char="•"/>
+            </a:pPr>
+            <a:r>
+              <a:rPr lang="fr-FR" smtClean="0"/>
+              <a:t>striphtml        </a:t>
+            </a:r>
+            <a:r>
+              <a:rPr lang="fr-FR"/>
+              <a:t>: enlever les tags </a:t>
+            </a:r>
+            <a:r>
+              <a:rPr lang="fr-FR"/>
+              <a:t>HTML</a:t>
+            </a:r>
+            <a:r>
+              <a:rPr lang="fr-FR" smtClean="0"/>
+              <a:t>,</a:t>
+            </a:r>
+          </a:p>
+          <a:p>
+            <a:pPr marL="742950" lvl="1" indent="-285750">
+              <a:buFont typeface="Arial" charset="0"/>
+              <a:buChar char="•"/>
+            </a:pPr>
+            <a:r>
+              <a:rPr lang="fr-FR" smtClean="0"/>
+              <a:t>stem             </a:t>
+            </a:r>
+            <a:r>
+              <a:rPr lang="fr-FR"/>
+              <a:t>: ne garder que la racine </a:t>
+            </a:r>
+            <a:r>
+              <a:rPr lang="fr-FR"/>
+              <a:t>des </a:t>
+            </a:r>
+            <a:r>
+              <a:rPr lang="fr-FR" smtClean="0"/>
+              <a:t>mots (non utilisé)</a:t>
+            </a:r>
+            <a:endParaRPr lang="fr-FR"/>
+          </a:p>
+          <a:p>
+            <a:pPr marL="285750" indent="-285750">
+              <a:buFont typeface="Arial" charset="0"/>
+              <a:buChar char="•"/>
+            </a:pPr>
+            <a:r>
+              <a:rPr lang="fr-FR" b="1" smtClean="0"/>
+              <a:t>prepDocuments</a:t>
+            </a:r>
+            <a:r>
+              <a:rPr lang="fr-FR" smtClean="0"/>
+              <a:t>: </a:t>
+            </a:r>
+          </a:p>
+          <a:p>
+            <a:pPr marL="742950" lvl="1" indent="-285750">
+              <a:buFont typeface="Arial" charset="0"/>
+              <a:buChar char="•"/>
+            </a:pPr>
+            <a:r>
+              <a:rPr lang="fr-FR" smtClean="0"/>
+              <a:t>Création des structures requises pour STM, </a:t>
+            </a:r>
+          </a:p>
+          <a:p>
+            <a:pPr marL="742950" lvl="1" indent="-285750">
+              <a:buFont typeface="Arial" charset="0"/>
+              <a:buChar char="•"/>
+            </a:pPr>
+            <a:r>
+              <a:rPr lang="fr-FR" smtClean="0"/>
+              <a:t>Filtrage des mots trop ou peu frequents</a:t>
+            </a:r>
+          </a:p>
+          <a:p>
+            <a:pPr marL="285750" indent="-285750">
+              <a:buFont typeface="Arial" charset="0"/>
+              <a:buChar char="•"/>
+            </a:pPr>
+            <a:r>
+              <a:rPr lang="fr-FR" smtClean="0"/>
+              <a:t>Définir les variables externes: rubrique et journal</a:t>
+            </a:r>
+          </a:p>
+          <a:p>
+            <a:pPr marL="285750" indent="-285750">
+              <a:buFont typeface="Arial" charset="0"/>
+              <a:buChar char="•"/>
+            </a:pPr>
+            <a:r>
+              <a:rPr lang="fr-FR" b="1"/>
+              <a:t>s</a:t>
+            </a:r>
+            <a:r>
+              <a:rPr lang="fr-FR" b="1" smtClean="0"/>
+              <a:t>tm</a:t>
+            </a:r>
+            <a:r>
+              <a:rPr lang="fr-FR" smtClean="0"/>
+              <a:t>: trouver les topics</a:t>
+            </a:r>
+          </a:p>
+          <a:p>
+            <a:pPr marL="285750" indent="-285750">
+              <a:buFont typeface="Arial" charset="0"/>
+              <a:buChar char="•"/>
+            </a:pPr>
+            <a:r>
+              <a:rPr lang="fr-FR" smtClean="0"/>
+              <a:t>Analyser les resultats avec:</a:t>
+            </a:r>
+          </a:p>
+        </p:txBody>
+      </p:sp>
+      <p:graphicFrame>
+        <p:nvGraphicFramePr>
+          <p:cNvPr id="8" name="Table 7"/>
+          <p:cNvGraphicFramePr>
+            <a:graphicFrameLocks noGrp="1"/>
+          </p:cNvGraphicFramePr>
+          <p:nvPr>
+            <p:extLst>
+              <p:ext uri="{D42A27DB-BD31-4B8C-83A1-F6EECF244321}">
+                <p14:modId xmlns:p14="http://schemas.microsoft.com/office/powerpoint/2010/main" val="1476906732"/>
+              </p:ext>
+            </p:extLst>
+          </p:nvPr>
+        </p:nvGraphicFramePr>
+        <p:xfrm>
+          <a:off x="1782863" y="5232187"/>
+          <a:ext cx="8128000" cy="1188720"/>
+        </p:xfrm>
+        <a:graphic>
+          <a:graphicData uri="http://schemas.openxmlformats.org/drawingml/2006/table">
+            <a:tbl>
+              <a:tblPr>
+                <a:tableStyleId>{5C22544A-7EE6-4342-B048-85BDC9FD1C3A}</a:tableStyleId>
+              </a:tblPr>
+              <a:tblGrid>
+                <a:gridCol w="4064000"/>
+                <a:gridCol w="4064000"/>
+              </a:tblGrid>
+              <a:tr h="370840">
+                <a:tc>
+                  <a:txBody>
+                    <a:bodyPr/>
+                    <a:lstStyle/>
+                    <a:p>
+                      <a:pPr marL="742950" lvl="1" indent="-285750">
+                        <a:buFont typeface="Arial" charset="0"/>
+                        <a:buChar char="•"/>
+                      </a:pPr>
+                      <a:r>
+                        <a:rPr lang="fr-FR" smtClean="0"/>
+                        <a:t>labelTopics</a:t>
+                      </a:r>
+                    </a:p>
+                    <a:p>
+                      <a:pPr marL="742950" lvl="1" indent="-285750">
+                        <a:buFont typeface="Arial" charset="0"/>
+                        <a:buChar char="•"/>
+                      </a:pPr>
+                      <a:r>
+                        <a:rPr lang="fr-FR" smtClean="0"/>
+                        <a:t>plot.STM</a:t>
+                      </a:r>
+                    </a:p>
+                    <a:p>
+                      <a:pPr marL="742950" lvl="1" indent="-285750">
+                        <a:buFont typeface="Arial" charset="0"/>
+                        <a:buChar char="•"/>
+                      </a:pPr>
+                      <a:r>
+                        <a:rPr lang="fr-FR" smtClean="0"/>
+                        <a:t>topicCorr</a:t>
+                      </a:r>
+                    </a:p>
+                    <a:p>
+                      <a:pPr marL="742950" lvl="1" indent="-285750">
+                        <a:buFont typeface="Arial" charset="0"/>
+                        <a:buChar char="•"/>
+                      </a:pPr>
+                      <a:r>
+                        <a:rPr lang="fr-FR" smtClean="0"/>
+                        <a:t>topicQuality</a:t>
+                      </a:r>
+                    </a:p>
+                  </a:txBody>
+                  <a:tcPr>
+                    <a:lnL w="12700" cmpd="sng">
+                      <a:noFill/>
+                    </a:lnL>
+                    <a:lnR w="12700" cmpd="sng">
+                      <a:noFill/>
+                    </a:lnR>
+                    <a:lnT w="12700" cmpd="sng">
+                      <a:noFill/>
+                    </a:lnT>
+                    <a:lnB w="12700" cmpd="sng">
+                      <a:noFill/>
+                    </a:lnB>
+                    <a:lnTlToBr w="12700" cmpd="sng">
+                      <a:noFill/>
+                      <a:prstDash val="solid"/>
+                    </a:lnTlToBr>
+                    <a:lnBlToTr w="12700" cmpd="sng">
+                      <a:noFill/>
+                      <a:prstDash val="solid"/>
+                    </a:lnBlToTr>
+                  </a:tcPr>
+                </a:tc>
+                <a:tc>
+                  <a:txBody>
+                    <a:bodyPr/>
+                    <a:lstStyle/>
+                    <a:p>
+                      <a:pPr marL="742950" lvl="1" indent="-285750">
+                        <a:buFont typeface="Arial" charset="0"/>
+                        <a:buChar char="•"/>
+                      </a:pPr>
+                      <a:r>
+                        <a:rPr lang="fr-FR" smtClean="0"/>
+                        <a:t>Cloud</a:t>
+                      </a:r>
+                    </a:p>
+                    <a:p>
+                      <a:pPr marL="742950" lvl="1" indent="-285750">
+                        <a:buFont typeface="Arial" charset="0"/>
+                        <a:buChar char="•"/>
+                      </a:pPr>
+                      <a:r>
+                        <a:rPr lang="fr-FR" smtClean="0"/>
+                        <a:t>stmBrowser</a:t>
+                      </a:r>
+                    </a:p>
+                    <a:p>
+                      <a:pPr marL="742950" lvl="1" indent="-285750">
+                        <a:buFont typeface="Arial" charset="0"/>
+                        <a:buChar char="•"/>
+                      </a:pPr>
+                      <a:r>
+                        <a:rPr lang="fr-FR" smtClean="0"/>
+                        <a:t>findThoughts</a:t>
+                      </a:r>
+                    </a:p>
+                    <a:p>
+                      <a:pPr marL="742950" lvl="1" indent="-285750">
+                        <a:buFont typeface="Arial" charset="0"/>
+                        <a:buChar char="•"/>
+                      </a:pPr>
+                      <a:r>
+                        <a:rPr lang="fr-FR" smtClean="0"/>
+                        <a:t>findTopic</a:t>
+                      </a:r>
+                    </a:p>
+                  </a:txBody>
+                  <a:tcPr>
+                    <a:lnL w="12700" cmpd="sng">
+                      <a:noFill/>
+                    </a:lnL>
+                    <a:lnR w="12700" cmpd="sng">
+                      <a:noFill/>
+                    </a:lnR>
+                    <a:lnT w="12700" cmpd="sng">
+                      <a:noFill/>
+                    </a:lnT>
+                    <a:lnB w="12700" cmpd="sng">
+                      <a:noFill/>
+                    </a:lnB>
+                    <a:lnTlToBr w="12700" cmpd="sng">
+                      <a:noFill/>
+                      <a:prstDash val="solid"/>
+                    </a:lnTlToBr>
+                    <a:lnBlToTr w="12700" cmpd="sng">
+                      <a:noFill/>
+                      <a:prstDash val="solid"/>
+                    </a:lnBlToTr>
+                  </a:tcPr>
+                </a:tc>
+              </a:tr>
+            </a:tbl>
+          </a:graphicData>
+        </a:graphic>
+      </p:graphicFrame>
+    </p:spTree>
+    <p:extLst>
+      <p:ext uri="{BB962C8B-B14F-4D97-AF65-F5344CB8AC3E}">
+        <p14:creationId xmlns:p14="http://schemas.microsoft.com/office/powerpoint/2010/main" val="1824702005"/>
+      </p:ext>
+    </p:extLst>
+  </p:cSld>
+  <p:clrMapOvr>
+    <a:masterClrMapping/>
+  </p:clrMapOvr>
+  <p:timing>
+    <p:tnLst>
+      <p:par>
+        <p:cTn id="1" dur="indefinite" restart="never" nodeType="tmRoot"/>
+      </p:par>
+    </p:tnLst>
+  </p:timing>
+</p:sld>
+</file>
+
+<file path=ppt/slides/slide18.xml><?xml version="1.0" encoding="utf-8"?>
+<p:sld xmlns:a="http://schemas.openxmlformats.org/drawingml/2006/main" xmlns:r="http://schemas.openxmlformats.org/officeDocument/2006/relationships" xmlns:p="http://schemas.openxmlformats.org/presentationml/2006/main">
+  <p:cSld>
+    <p:spTree>
+      <p:nvGrpSpPr>
+        <p:cNvPr id="1" name=""/>
+        <p:cNvGrpSpPr/>
+        <p:nvPr/>
+      </p:nvGrpSpPr>
+      <p:grpSpPr>
+        <a:xfrm>
+          <a:off x="0" y="0"/>
+          <a:ext cx="0" cy="0"/>
+          <a:chOff x="0" y="0"/>
+          <a:chExt cx="0" cy="0"/>
+        </a:xfrm>
+      </p:grpSpPr>
+      <p:sp>
+        <p:nvSpPr>
+          <p:cNvPr id="4" name="TextBox 3"/>
+          <p:cNvSpPr txBox="1"/>
+          <p:nvPr/>
+        </p:nvSpPr>
+        <p:spPr>
+          <a:xfrm>
+            <a:off x="1382751" y="1103971"/>
+            <a:ext cx="6737870" cy="4247317"/>
+          </a:xfrm>
+          <a:prstGeom prst="rect">
+            <a:avLst/>
+          </a:prstGeom>
+          <a:noFill/>
+        </p:spPr>
+        <p:txBody>
+          <a:bodyPr wrap="none" rtlCol="0">
+            <a:spAutoFit/>
+          </a:bodyPr>
+          <a:lstStyle/>
+          <a:p>
+            <a:r>
+              <a:rPr lang="fr-FR" smtClean="0"/>
+              <a:t>STM trouve K par lui-même =&gt; 63 topics</a:t>
+            </a:r>
+          </a:p>
+          <a:p>
+            <a:r>
+              <a:rPr lang="fr-FR" smtClean="0"/>
+              <a:t>Les topics sont bons</a:t>
+            </a:r>
+          </a:p>
+          <a:p>
+            <a:r>
+              <a:rPr lang="fr-FR" smtClean="0"/>
+              <a:t>Mais peu de documents, les topics sont maigres</a:t>
+            </a:r>
+          </a:p>
+          <a:p>
+            <a:r>
+              <a:rPr lang="fr-FR" smtClean="0"/>
+              <a:t>Illustré par le wordcloud. Quelques mots tres importants.</a:t>
+            </a:r>
+          </a:p>
+          <a:p>
+            <a:endParaRPr lang="fr-FR"/>
+          </a:p>
+          <a:p>
+            <a:r>
+              <a:rPr lang="fr-FR" smtClean="0"/>
+              <a:t>Autre methode pour trouver le nombre de topics optimal: Grid search</a:t>
+            </a:r>
+          </a:p>
+          <a:p>
+            <a:r>
+              <a:rPr lang="fr-FR" smtClean="0"/>
+              <a:t>=&gt; On fait varier K de 20 a 50</a:t>
+            </a:r>
+          </a:p>
+          <a:p>
+            <a:pPr marL="285750" indent="-285750">
+              <a:buFont typeface="Symbol" charset="2"/>
+              <a:buChar char="Þ"/>
+            </a:pPr>
+            <a:r>
+              <a:rPr lang="fr-FR" smtClean="0"/>
+              <a:t>On regarde Semantic coherence vs Exclusivity</a:t>
+            </a:r>
+          </a:p>
+          <a:p>
+            <a:pPr marL="285750" indent="-285750">
+              <a:buFont typeface="Symbol" charset="2"/>
+              <a:buChar char="Þ"/>
+            </a:pPr>
+            <a:r>
+              <a:rPr lang="fr-FR" smtClean="0"/>
+              <a:t>Sur ce corpus, quand le nombre de topics croit:</a:t>
+            </a:r>
+          </a:p>
+          <a:p>
+            <a:pPr marL="742950" lvl="1" indent="-285750">
+              <a:buFont typeface="Symbol" charset="2"/>
+              <a:buChar char="Þ"/>
+            </a:pPr>
+            <a:r>
+              <a:rPr lang="fr-FR" smtClean="0"/>
+              <a:t>semantic coherence croit </a:t>
+            </a:r>
+          </a:p>
+          <a:p>
+            <a:pPr marL="742950" lvl="1" indent="-285750">
+              <a:buFont typeface="Symbol" charset="2"/>
+              <a:buChar char="Þ"/>
+            </a:pPr>
+            <a:r>
+              <a:rPr lang="fr-FR" smtClean="0"/>
+              <a:t>Exclusivité decroit</a:t>
+            </a:r>
+          </a:p>
+          <a:p>
+            <a:pPr marL="285750" indent="-285750">
+              <a:buFont typeface="Symbol" charset="2"/>
+              <a:buChar char="Þ"/>
+            </a:pPr>
+            <a:endParaRPr lang="fr-FR" smtClean="0"/>
+          </a:p>
+          <a:p>
+            <a:pPr marL="285750" indent="-285750">
+              <a:buFont typeface="Symbol" charset="2"/>
+              <a:buChar char="Þ"/>
+            </a:pPr>
+            <a:r>
+              <a:rPr lang="fr-FR" smtClean="0"/>
+              <a:t>Essayons avec N = 20 </a:t>
+            </a:r>
+          </a:p>
+          <a:p>
+            <a:pPr marL="285750" indent="-285750">
+              <a:buFont typeface="Symbol" charset="2"/>
+              <a:buChar char="Þ"/>
+            </a:pPr>
+            <a:endParaRPr lang="fr-FR"/>
+          </a:p>
+          <a:p>
+            <a:pPr marL="285750" indent="-285750">
+              <a:buFont typeface="Symbol" charset="2"/>
+              <a:buChar char="Þ"/>
+            </a:pPr>
+            <a:endParaRPr lang="fr-FR"/>
+          </a:p>
+        </p:txBody>
+      </p:sp>
+      <p:sp>
+        <p:nvSpPr>
+          <p:cNvPr id="5" name="TextBox 4"/>
+          <p:cNvSpPr txBox="1"/>
+          <p:nvPr/>
+        </p:nvSpPr>
+        <p:spPr>
+          <a:xfrm>
+            <a:off x="405627" y="103134"/>
+            <a:ext cx="10307181" cy="646331"/>
+          </a:xfrm>
+          <a:prstGeom prst="rect">
+            <a:avLst/>
+          </a:prstGeom>
+          <a:noFill/>
+        </p:spPr>
+        <p:txBody>
+          <a:bodyPr wrap="none" rtlCol="0">
+            <a:spAutoFit/>
+          </a:bodyPr>
+          <a:lstStyle/>
+          <a:p>
+            <a:r>
+              <a:rPr lang="en-US" sz="3600" b="1">
+                <a:solidFill>
+                  <a:srgbClr val="ED5B00"/>
+                </a:solidFill>
+                <a:latin typeface="Arial" charset="0"/>
+                <a:ea typeface="Arial" charset="0"/>
+                <a:cs typeface="Arial" charset="0"/>
+              </a:rPr>
+              <a:t>Lab </a:t>
+            </a:r>
+            <a:r>
+              <a:rPr lang="en-US" sz="3600" b="1" smtClean="0">
+                <a:solidFill>
+                  <a:srgbClr val="ED5B00"/>
+                </a:solidFill>
+                <a:latin typeface="Arial" charset="0"/>
+                <a:ea typeface="Arial" charset="0"/>
+                <a:cs typeface="Arial" charset="0"/>
+              </a:rPr>
+              <a:t>1: </a:t>
+            </a:r>
+            <a:r>
+              <a:rPr lang="en-US" sz="3600" b="1">
+                <a:solidFill>
+                  <a:srgbClr val="ED5B00"/>
+                </a:solidFill>
+                <a:latin typeface="Arial" charset="0"/>
+                <a:ea typeface="Arial" charset="0"/>
+                <a:cs typeface="Arial" charset="0"/>
+              </a:rPr>
+              <a:t>Topic Modeling sur IEEE - ArsTechnica</a:t>
+            </a:r>
+            <a:endParaRPr lang="en-US" sz="3600" b="1" smtClean="0">
+              <a:solidFill>
+                <a:srgbClr val="ED5B00"/>
+              </a:solidFill>
+              <a:latin typeface="Arial" charset="0"/>
+              <a:ea typeface="Arial" charset="0"/>
+              <a:cs typeface="Arial" charset="0"/>
+            </a:endParaRPr>
+          </a:p>
+        </p:txBody>
+      </p:sp>
+    </p:spTree>
+    <p:extLst>
+      <p:ext uri="{BB962C8B-B14F-4D97-AF65-F5344CB8AC3E}">
+        <p14:creationId xmlns:p14="http://schemas.microsoft.com/office/powerpoint/2010/main" val="1956633251"/>
+      </p:ext>
+    </p:extLst>
+  </p:cSld>
+  <p:clrMapOvr>
+    <a:masterClrMapping/>
+  </p:clrMapOvr>
+  <p:timing>
+    <p:tnLst>
+      <p:par>
+        <p:cTn id="1" dur="indefinite" restart="never" nodeType="tmRoot"/>
+      </p:par>
+    </p:tnLst>
+  </p:timing>
+</p:sld>
+</file>
+
+<file path=ppt/slides/slide19.xml><?xml version="1.0" encoding="utf-8"?>
+<p:sld xmlns:a="http://schemas.openxmlformats.org/drawingml/2006/main" xmlns:r="http://schemas.openxmlformats.org/officeDocument/2006/relationships" xmlns:p="http://schemas.openxmlformats.org/presentationml/2006/main">
+  <p:cSld>
+    <p:spTree>
+      <p:nvGrpSpPr>
+        <p:cNvPr id="1" name=""/>
+        <p:cNvGrpSpPr/>
+        <p:nvPr/>
+      </p:nvGrpSpPr>
+      <p:grpSpPr>
+        <a:xfrm>
+          <a:off x="0" y="0"/>
+          <a:ext cx="0" cy="0"/>
+          <a:chOff x="0" y="0"/>
+          <a:chExt cx="0" cy="0"/>
+        </a:xfrm>
+      </p:grpSpPr>
+      <p:sp>
+        <p:nvSpPr>
+          <p:cNvPr id="5" name="TextBox 4"/>
+          <p:cNvSpPr txBox="1"/>
+          <p:nvPr/>
+        </p:nvSpPr>
+        <p:spPr>
+          <a:xfrm>
+            <a:off x="405627" y="103134"/>
+            <a:ext cx="6288901" cy="646331"/>
+          </a:xfrm>
+          <a:prstGeom prst="rect">
+            <a:avLst/>
+          </a:prstGeom>
+          <a:noFill/>
+        </p:spPr>
+        <p:txBody>
+          <a:bodyPr wrap="none" rtlCol="0">
+            <a:spAutoFit/>
+          </a:bodyPr>
+          <a:lstStyle/>
+          <a:p>
+            <a:r>
+              <a:rPr lang="en-US" sz="3600" b="1" smtClean="0">
+                <a:solidFill>
+                  <a:srgbClr val="ED5B00"/>
+                </a:solidFill>
+                <a:latin typeface="Arial" charset="0"/>
+                <a:ea typeface="Arial" charset="0"/>
+                <a:cs typeface="Arial" charset="0"/>
+              </a:rPr>
+              <a:t>Interpretation des Résultats</a:t>
+            </a:r>
+            <a:endParaRPr lang="en-US" sz="3600" b="1" smtClean="0">
+              <a:solidFill>
+                <a:srgbClr val="ED5B00"/>
+              </a:solidFill>
+              <a:latin typeface="Arial" charset="0"/>
+              <a:ea typeface="Arial" charset="0"/>
+              <a:cs typeface="Arial" charset="0"/>
+            </a:endParaRPr>
+          </a:p>
+        </p:txBody>
+      </p:sp>
+      <p:sp>
+        <p:nvSpPr>
+          <p:cNvPr id="6" name="TextBox 5"/>
+          <p:cNvSpPr txBox="1"/>
+          <p:nvPr/>
+        </p:nvSpPr>
+        <p:spPr>
+          <a:xfrm>
+            <a:off x="1159727" y="1338146"/>
+            <a:ext cx="8082084" cy="646331"/>
+          </a:xfrm>
+          <a:prstGeom prst="rect">
+            <a:avLst/>
+          </a:prstGeom>
+          <a:noFill/>
+        </p:spPr>
+        <p:txBody>
+          <a:bodyPr wrap="none" rtlCol="0">
+            <a:spAutoFit/>
+          </a:bodyPr>
+          <a:lstStyle/>
+          <a:p>
+            <a:r>
+              <a:rPr lang="fr-FR" smtClean="0"/>
+              <a:t>Si on set le nombre de topic a 0 =&gt; l’algo estime  43 topics le nombre optimal</a:t>
+            </a:r>
+          </a:p>
+          <a:p>
+            <a:r>
+              <a:rPr lang="fr-FR" smtClean="0"/>
+              <a:t>Cela donne des topics tres ‘maigres’, peu de documents, quelques mots tres exclusif</a:t>
+            </a:r>
+            <a:endParaRPr lang="fr-FR"/>
+          </a:p>
+        </p:txBody>
+      </p:sp>
+      <p:sp>
+        <p:nvSpPr>
+          <p:cNvPr id="8" name="TextBox 7"/>
+          <p:cNvSpPr txBox="1"/>
+          <p:nvPr/>
+        </p:nvSpPr>
+        <p:spPr>
+          <a:xfrm>
+            <a:off x="1159727" y="2276630"/>
+            <a:ext cx="8348632" cy="646331"/>
+          </a:xfrm>
+          <a:prstGeom prst="rect">
+            <a:avLst/>
+          </a:prstGeom>
+          <a:noFill/>
+        </p:spPr>
+        <p:txBody>
+          <a:bodyPr wrap="none" rtlCol="0">
+            <a:spAutoFit/>
+          </a:bodyPr>
+          <a:lstStyle/>
+          <a:p>
+            <a:r>
+              <a:rPr lang="fr-FR" smtClean="0"/>
+              <a:t>Un Gridsearch donne 24 pour un nombre de topics favorisant la coherence semantique</a:t>
+            </a:r>
+          </a:p>
+          <a:p>
+            <a:r>
+              <a:rPr lang="fr-FR" smtClean="0"/>
+              <a:t>Et ~=60 pour l’exclusivité</a:t>
+            </a:r>
+            <a:endParaRPr lang="fr-FR"/>
+          </a:p>
+        </p:txBody>
+      </p:sp>
+      <p:sp>
+        <p:nvSpPr>
+          <p:cNvPr id="9" name="TextBox 8"/>
+          <p:cNvSpPr txBox="1"/>
+          <p:nvPr/>
+        </p:nvSpPr>
+        <p:spPr>
+          <a:xfrm>
+            <a:off x="1159727" y="3345366"/>
+            <a:ext cx="5721887" cy="369332"/>
+          </a:xfrm>
+          <a:prstGeom prst="rect">
+            <a:avLst/>
+          </a:prstGeom>
+          <a:noFill/>
+        </p:spPr>
+        <p:txBody>
+          <a:bodyPr wrap="none" rtlCol="0">
+            <a:spAutoFit/>
+          </a:bodyPr>
+          <a:lstStyle/>
+          <a:p>
+            <a:r>
+              <a:rPr lang="fr-FR" smtClean="0"/>
+              <a:t>Pour le modele K=24, on identifie bien les N topics suivants</a:t>
+            </a:r>
+            <a:endParaRPr lang="fr-FR"/>
+          </a:p>
+        </p:txBody>
+      </p:sp>
+      <p:sp>
+        <p:nvSpPr>
+          <p:cNvPr id="10" name="TextBox 9"/>
+          <p:cNvSpPr txBox="1"/>
+          <p:nvPr/>
+        </p:nvSpPr>
+        <p:spPr>
+          <a:xfrm>
+            <a:off x="1159727" y="4248614"/>
+            <a:ext cx="10485178" cy="369332"/>
+          </a:xfrm>
+          <a:prstGeom prst="rect">
+            <a:avLst/>
+          </a:prstGeom>
+          <a:noFill/>
+        </p:spPr>
+        <p:txBody>
+          <a:bodyPr wrap="none" rtlCol="0">
+            <a:spAutoFit/>
+          </a:bodyPr>
+          <a:lstStyle/>
+          <a:p>
+            <a:r>
+              <a:rPr lang="fr-FR" smtClean="0"/>
+              <a:t>L’etape de preparation est assez efficace malgré quelques mots bizarres due au traitement de la ponctuation</a:t>
+            </a:r>
+            <a:endParaRPr lang="fr-FR"/>
+          </a:p>
+        </p:txBody>
+      </p:sp>
+      <p:sp>
+        <p:nvSpPr>
+          <p:cNvPr id="11" name="TextBox 10"/>
+          <p:cNvSpPr txBox="1"/>
+          <p:nvPr/>
+        </p:nvSpPr>
+        <p:spPr>
+          <a:xfrm>
+            <a:off x="1159727" y="4782530"/>
+            <a:ext cx="9948301" cy="369332"/>
+          </a:xfrm>
+          <a:prstGeom prst="rect">
+            <a:avLst/>
+          </a:prstGeom>
+          <a:noFill/>
+        </p:spPr>
+        <p:txBody>
+          <a:bodyPr wrap="none" rtlCol="0">
+            <a:spAutoFit/>
+          </a:bodyPr>
+          <a:lstStyle/>
+          <a:p>
+            <a:r>
+              <a:rPr lang="fr-FR" smtClean="0"/>
+              <a:t>Le corpus est: propre, sans faute d’orthographe, de longs paragraphes équilibrés, des sujets bien établis</a:t>
+            </a:r>
+            <a:r>
+              <a:rPr lang="is-IS" smtClean="0"/>
+              <a:t>…</a:t>
+            </a:r>
+            <a:endParaRPr lang="fr-FR"/>
+          </a:p>
+        </p:txBody>
+      </p:sp>
+      <p:sp>
+        <p:nvSpPr>
+          <p:cNvPr id="12" name="TextBox 11"/>
+          <p:cNvSpPr txBox="1"/>
+          <p:nvPr/>
+        </p:nvSpPr>
+        <p:spPr>
+          <a:xfrm>
+            <a:off x="1304693" y="5475249"/>
+            <a:ext cx="2732351" cy="369332"/>
+          </a:xfrm>
+          <a:prstGeom prst="rect">
+            <a:avLst/>
+          </a:prstGeom>
+          <a:noFill/>
+        </p:spPr>
+        <p:txBody>
+          <a:bodyPr wrap="none" rtlCol="0">
+            <a:spAutoFit/>
+          </a:bodyPr>
+          <a:lstStyle/>
+          <a:p>
+            <a:r>
+              <a:rPr lang="fr-FR" smtClean="0"/>
+              <a:t>C’est trop beau pour durer </a:t>
+            </a:r>
+            <a:endParaRPr lang="fr-FR"/>
+          </a:p>
+        </p:txBody>
+      </p:sp>
+    </p:spTree>
+    <p:extLst>
+      <p:ext uri="{BB962C8B-B14F-4D97-AF65-F5344CB8AC3E}">
+        <p14:creationId xmlns:p14="http://schemas.microsoft.com/office/powerpoint/2010/main" val="1101624532"/>
+      </p:ext>
+    </p:extLst>
+  </p:cSld>
+  <p:clrMapOvr>
+    <a:masterClrMapping/>
+  </p:clrMapOvr>
+  <p:timing>
+    <p:tnLst>
+      <p:par>
+        <p:cTn id="1" dur="indefinite" restart="never" nodeType="tmRoot"/>
+      </p:par>
+    </p:tnLst>
+  </p:timing>
 </p:sld>
 </file>
 
@@ -5820,14 +6708,6 @@
               </a:rPr>
               <a:t>Plan</a:t>
             </a:r>
-            <a:endParaRPr lang="en-US" sz="3600" b="1" smtClean="0">
-              <a:solidFill>
-                <a:srgbClr val="ED5B00"/>
-              </a:solidFill>
-              <a:latin typeface="Arial" charset="0"/>
-              <a:ea typeface="Arial" charset="0"/>
-              <a:cs typeface="Arial" charset="0"/>
-            </a:endParaRPr>
           </a:p>
         </p:txBody>
       </p:sp>
@@ -6216,6 +7096,1534 @@
   <p:clrMapOvr>
     <a:masterClrMapping/>
   </p:clrMapOvr>
+</p:sld>
+</file>
+
+<file path=ppt/slides/slide20.xml><?xml version="1.0" encoding="utf-8"?>
+<p:sld xmlns:a="http://schemas.openxmlformats.org/drawingml/2006/main" xmlns:r="http://schemas.openxmlformats.org/officeDocument/2006/relationships" xmlns:p="http://schemas.openxmlformats.org/presentationml/2006/main">
+  <p:cSld>
+    <p:spTree>
+      <p:nvGrpSpPr>
+        <p:cNvPr id="1" name=""/>
+        <p:cNvGrpSpPr/>
+        <p:nvPr/>
+      </p:nvGrpSpPr>
+      <p:grpSpPr>
+        <a:xfrm>
+          <a:off x="0" y="0"/>
+          <a:ext cx="0" cy="0"/>
+          <a:chOff x="0" y="0"/>
+          <a:chExt cx="0" cy="0"/>
+        </a:xfrm>
+      </p:grpSpPr>
+      <p:sp>
+        <p:nvSpPr>
+          <p:cNvPr id="4" name="TextBox 3"/>
+          <p:cNvSpPr txBox="1"/>
+          <p:nvPr/>
+        </p:nvSpPr>
+        <p:spPr>
+          <a:xfrm>
+            <a:off x="631625" y="514985"/>
+            <a:ext cx="10238957" cy="646331"/>
+          </a:xfrm>
+          <a:prstGeom prst="rect">
+            <a:avLst/>
+          </a:prstGeom>
+          <a:noFill/>
+        </p:spPr>
+        <p:txBody>
+          <a:bodyPr wrap="none" rtlCol="0">
+            <a:spAutoFit/>
+          </a:bodyPr>
+          <a:lstStyle/>
+          <a:p>
+            <a:r>
+              <a:rPr lang="en-US" sz="3600" b="1" smtClean="0">
+                <a:solidFill>
+                  <a:srgbClr val="ED5B00"/>
+                </a:solidFill>
+                <a:latin typeface="Arial" charset="0"/>
+                <a:ea typeface="Arial" charset="0"/>
+                <a:cs typeface="Arial" charset="0"/>
+              </a:rPr>
+              <a:t>Partie III: L’alt right US sur un forum facebook</a:t>
+            </a:r>
+            <a:endParaRPr lang="en-US" sz="3600" b="1" smtClean="0">
+              <a:solidFill>
+                <a:srgbClr val="ED5B00"/>
+              </a:solidFill>
+              <a:latin typeface="Arial" charset="0"/>
+              <a:ea typeface="Arial" charset="0"/>
+              <a:cs typeface="Arial" charset="0"/>
+            </a:endParaRPr>
+          </a:p>
+        </p:txBody>
+      </p:sp>
+      <p:pic>
+        <p:nvPicPr>
+          <p:cNvPr id="5" name="Picture 4"/>
+          <p:cNvPicPr>
+            <a:picLocks noChangeAspect="1"/>
+          </p:cNvPicPr>
+          <p:nvPr/>
+        </p:nvPicPr>
+        <p:blipFill>
+          <a:blip r:embed="rId2">
+            <a:extLst>
+              <a:ext uri="{28A0092B-C50C-407E-A947-70E740481C1C}">
+                <a14:useLocalDpi xmlns:a14="http://schemas.microsoft.com/office/drawing/2010/main" val="0"/>
+              </a:ext>
+            </a:extLst>
+          </a:blip>
+          <a:stretch>
+            <a:fillRect/>
+          </a:stretch>
+        </p:blipFill>
+        <p:spPr>
+          <a:xfrm>
+            <a:off x="3369853" y="1958526"/>
+            <a:ext cx="4762500" cy="3644900"/>
+          </a:xfrm>
+          <a:prstGeom prst="rect">
+            <a:avLst/>
+          </a:prstGeom>
+        </p:spPr>
+      </p:pic>
+      <p:sp>
+        <p:nvSpPr>
+          <p:cNvPr id="6" name="TextBox 5"/>
+          <p:cNvSpPr txBox="1"/>
+          <p:nvPr/>
+        </p:nvSpPr>
+        <p:spPr>
+          <a:xfrm>
+            <a:off x="1349297" y="1958526"/>
+            <a:ext cx="985654" cy="369332"/>
+          </a:xfrm>
+          <a:prstGeom prst="rect">
+            <a:avLst/>
+          </a:prstGeom>
+          <a:noFill/>
+        </p:spPr>
+        <p:txBody>
+          <a:bodyPr wrap="none" rtlCol="0">
+            <a:spAutoFit/>
+          </a:bodyPr>
+          <a:lstStyle/>
+          <a:p>
+            <a:r>
+              <a:rPr lang="fr-FR" smtClean="0"/>
+              <a:t>Alt-pepe</a:t>
+            </a:r>
+            <a:endParaRPr lang="fr-FR"/>
+          </a:p>
+        </p:txBody>
+      </p:sp>
+    </p:spTree>
+    <p:extLst>
+      <p:ext uri="{BB962C8B-B14F-4D97-AF65-F5344CB8AC3E}">
+        <p14:creationId xmlns:p14="http://schemas.microsoft.com/office/powerpoint/2010/main" val="1668329875"/>
+      </p:ext>
+    </p:extLst>
+  </p:cSld>
+  <p:clrMapOvr>
+    <a:masterClrMapping/>
+  </p:clrMapOvr>
+  <p:timing>
+    <p:tnLst>
+      <p:par>
+        <p:cTn id="1" dur="indefinite" restart="never" nodeType="tmRoot"/>
+      </p:par>
+    </p:tnLst>
+  </p:timing>
+</p:sld>
+</file>
+
+<file path=ppt/slides/slide21.xml><?xml version="1.0" encoding="utf-8"?>
+<p:sld xmlns:a="http://schemas.openxmlformats.org/drawingml/2006/main" xmlns:r="http://schemas.openxmlformats.org/officeDocument/2006/relationships" xmlns:p="http://schemas.openxmlformats.org/presentationml/2006/main">
+  <p:cSld>
+    <p:spTree>
+      <p:nvGrpSpPr>
+        <p:cNvPr id="1" name=""/>
+        <p:cNvGrpSpPr/>
+        <p:nvPr/>
+      </p:nvGrpSpPr>
+      <p:grpSpPr>
+        <a:xfrm>
+          <a:off x="0" y="0"/>
+          <a:ext cx="0" cy="0"/>
+          <a:chOff x="0" y="0"/>
+          <a:chExt cx="0" cy="0"/>
+        </a:xfrm>
+      </p:grpSpPr>
+      <p:sp>
+        <p:nvSpPr>
+          <p:cNvPr id="4" name="TextBox 3"/>
+          <p:cNvSpPr txBox="1"/>
+          <p:nvPr/>
+        </p:nvSpPr>
+        <p:spPr>
+          <a:xfrm>
+            <a:off x="631625" y="514985"/>
+            <a:ext cx="6417398" cy="646331"/>
+          </a:xfrm>
+          <a:prstGeom prst="rect">
+            <a:avLst/>
+          </a:prstGeom>
+          <a:noFill/>
+        </p:spPr>
+        <p:txBody>
+          <a:bodyPr wrap="none" rtlCol="0">
+            <a:spAutoFit/>
+          </a:bodyPr>
+          <a:lstStyle/>
+          <a:p>
+            <a:r>
+              <a:rPr lang="en-US" sz="3600" b="1" smtClean="0">
+                <a:solidFill>
+                  <a:srgbClr val="ED5B00"/>
+                </a:solidFill>
+                <a:latin typeface="Arial" charset="0"/>
+                <a:ea typeface="Arial" charset="0"/>
+                <a:cs typeface="Arial" charset="0"/>
+              </a:rPr>
+              <a:t>Corpus God Emperor Trump</a:t>
+            </a:r>
+            <a:endParaRPr lang="en-US" sz="3600" b="1" smtClean="0">
+              <a:solidFill>
+                <a:srgbClr val="ED5B00"/>
+              </a:solidFill>
+              <a:latin typeface="Arial" charset="0"/>
+              <a:ea typeface="Arial" charset="0"/>
+              <a:cs typeface="Arial" charset="0"/>
+            </a:endParaRPr>
+          </a:p>
+        </p:txBody>
+      </p:sp>
+      <p:sp>
+        <p:nvSpPr>
+          <p:cNvPr id="5" name="TextBox 4"/>
+          <p:cNvSpPr txBox="1"/>
+          <p:nvPr/>
+        </p:nvSpPr>
+        <p:spPr>
+          <a:xfrm>
+            <a:off x="1984917" y="1973766"/>
+            <a:ext cx="8370112" cy="1477328"/>
+          </a:xfrm>
+          <a:prstGeom prst="rect">
+            <a:avLst/>
+          </a:prstGeom>
+          <a:noFill/>
+        </p:spPr>
+        <p:txBody>
+          <a:bodyPr wrap="none" rtlCol="0">
+            <a:spAutoFit/>
+          </a:bodyPr>
+          <a:lstStyle/>
+          <a:p>
+            <a:r>
+              <a:rPr lang="fi-FI">
+                <a:hlinkClick r:id="rId2"/>
+              </a:rPr>
+              <a:t>https://</a:t>
+            </a:r>
+            <a:r>
+              <a:rPr lang="fi-FI">
+                <a:hlinkClick r:id="rId2"/>
+              </a:rPr>
+              <a:t>www.facebook.com/GodEmperorTrump</a:t>
+            </a:r>
+            <a:r>
+              <a:rPr lang="fi-FI" smtClean="0">
+                <a:hlinkClick r:id="rId2"/>
+              </a:rPr>
+              <a:t>/</a:t>
+            </a:r>
+            <a:r>
+              <a:rPr lang="fi-FI" smtClean="0"/>
+              <a:t> </a:t>
+            </a:r>
+            <a:endParaRPr lang="fi-FI"/>
+          </a:p>
+          <a:p>
+            <a:r>
+              <a:rPr lang="fi-FI" smtClean="0"/>
+              <a:t>418790 posts et commentaires, </a:t>
+            </a:r>
+          </a:p>
+          <a:p>
+            <a:r>
+              <a:rPr lang="fi-FI" smtClean="0"/>
+              <a:t>100+ Mb de donnees en csv</a:t>
+            </a:r>
+          </a:p>
+          <a:p>
+            <a:r>
+              <a:rPr lang="fi-FI" smtClean="0"/>
+              <a:t>Tres bruité: orthographe defaillant, images, liens, abbreviations, argot et expressions, </a:t>
+            </a:r>
+            <a:r>
+              <a:rPr lang="is-IS" smtClean="0"/>
+              <a:t>…</a:t>
+            </a:r>
+          </a:p>
+          <a:p>
+            <a:endParaRPr lang="fr-FR"/>
+          </a:p>
+        </p:txBody>
+      </p:sp>
+      <p:sp>
+        <p:nvSpPr>
+          <p:cNvPr id="7" name="TextBox 6"/>
+          <p:cNvSpPr txBox="1"/>
+          <p:nvPr/>
+        </p:nvSpPr>
+        <p:spPr>
+          <a:xfrm>
+            <a:off x="1889662" y="1382875"/>
+            <a:ext cx="5159361" cy="369332"/>
+          </a:xfrm>
+          <a:prstGeom prst="rect">
+            <a:avLst/>
+          </a:prstGeom>
+          <a:noFill/>
+        </p:spPr>
+        <p:txBody>
+          <a:bodyPr wrap="none" rtlCol="0">
+            <a:spAutoFit/>
+          </a:bodyPr>
+          <a:lstStyle/>
+          <a:p>
+            <a:r>
+              <a:rPr lang="fr-FR" smtClean="0"/>
+              <a:t>Warning: Appel </a:t>
+            </a:r>
+            <a:r>
+              <a:rPr lang="fr-FR"/>
+              <a:t>a la haine raciale, </a:t>
+            </a:r>
+            <a:r>
+              <a:rPr lang="fr-FR" smtClean="0"/>
+              <a:t>revisionisme, etc </a:t>
+            </a:r>
+            <a:r>
+              <a:rPr lang="is-IS" smtClean="0"/>
+              <a:t>…</a:t>
+            </a:r>
+            <a:endParaRPr lang="fr-FR"/>
+          </a:p>
+        </p:txBody>
+      </p:sp>
+      <p:sp>
+        <p:nvSpPr>
+          <p:cNvPr id="8" name="TextBox 7"/>
+          <p:cNvSpPr txBox="1"/>
+          <p:nvPr/>
+        </p:nvSpPr>
+        <p:spPr>
+          <a:xfrm>
+            <a:off x="2129883" y="3702205"/>
+            <a:ext cx="4899162" cy="369332"/>
+          </a:xfrm>
+          <a:prstGeom prst="rect">
+            <a:avLst/>
+          </a:prstGeom>
+          <a:noFill/>
+        </p:spPr>
+        <p:txBody>
+          <a:bodyPr wrap="none" rtlCol="0">
+            <a:spAutoFit/>
+          </a:bodyPr>
+          <a:lstStyle/>
+          <a:p>
+            <a:r>
+              <a:rPr lang="fr-FR" smtClean="0"/>
+              <a:t>Grouper les commentaires par post =&gt; 9000 lignes</a:t>
+            </a:r>
+            <a:endParaRPr lang="fr-FR"/>
+          </a:p>
+        </p:txBody>
+      </p:sp>
+      <p:sp>
+        <p:nvSpPr>
+          <p:cNvPr id="9" name="TextBox 8"/>
+          <p:cNvSpPr txBox="1"/>
+          <p:nvPr/>
+        </p:nvSpPr>
+        <p:spPr>
+          <a:xfrm>
+            <a:off x="401445" y="4263544"/>
+            <a:ext cx="14165288" cy="646331"/>
+          </a:xfrm>
+          <a:prstGeom prst="rect">
+            <a:avLst/>
+          </a:prstGeom>
+          <a:noFill/>
+        </p:spPr>
+        <p:txBody>
+          <a:bodyPr wrap="none" rtlCol="0">
+            <a:spAutoFit/>
+          </a:bodyPr>
+          <a:lstStyle/>
+          <a:p>
+            <a:r>
+              <a:rPr lang="en-US" smtClean="0">
+                <a:hlinkClick r:id="rId3"/>
+              </a:rPr>
+              <a:t>Example:</a:t>
+            </a:r>
+          </a:p>
+          <a:p>
+            <a:r>
+              <a:rPr lang="en-US" smtClean="0">
+                <a:hlinkClick r:id="rId3"/>
+              </a:rPr>
+              <a:t>https</a:t>
+            </a:r>
+            <a:r>
+              <a:rPr lang="en-US">
+                <a:hlinkClick r:id="rId3"/>
+              </a:rPr>
+              <a:t>://www.facebook.com/GodEmperorTrump/photos/a.792821487511350.1073741828.791373644322801/1208866165906878</a:t>
+            </a:r>
+            <a:r>
+              <a:rPr lang="en-US">
+                <a:hlinkClick r:id="rId3"/>
+              </a:rPr>
+              <a:t>/?</a:t>
+            </a:r>
+            <a:r>
+              <a:rPr lang="en-US" smtClean="0">
+                <a:hlinkClick r:id="rId3"/>
+              </a:rPr>
+              <a:t>type=3&amp;theater</a:t>
+            </a:r>
+            <a:r>
+              <a:rPr lang="en-US" smtClean="0"/>
+              <a:t> </a:t>
+            </a:r>
+            <a:endParaRPr lang="fr-FR"/>
+          </a:p>
+        </p:txBody>
+      </p:sp>
+    </p:spTree>
+    <p:extLst>
+      <p:ext uri="{BB962C8B-B14F-4D97-AF65-F5344CB8AC3E}">
+        <p14:creationId xmlns:p14="http://schemas.microsoft.com/office/powerpoint/2010/main" val="1327528988"/>
+      </p:ext>
+    </p:extLst>
+  </p:cSld>
+  <p:clrMapOvr>
+    <a:masterClrMapping/>
+  </p:clrMapOvr>
+  <p:timing>
+    <p:tnLst>
+      <p:par>
+        <p:cTn id="1" dur="indefinite" restart="never" nodeType="tmRoot"/>
+      </p:par>
+    </p:tnLst>
+  </p:timing>
+</p:sld>
+</file>
+
+<file path=ppt/slides/slide22.xml><?xml version="1.0" encoding="utf-8"?>
+<p:sld xmlns:a="http://schemas.openxmlformats.org/drawingml/2006/main" xmlns:r="http://schemas.openxmlformats.org/officeDocument/2006/relationships" xmlns:p="http://schemas.openxmlformats.org/presentationml/2006/main">
+  <p:cSld>
+    <p:spTree>
+      <p:nvGrpSpPr>
+        <p:cNvPr id="1" name=""/>
+        <p:cNvGrpSpPr/>
+        <p:nvPr/>
+      </p:nvGrpSpPr>
+      <p:grpSpPr>
+        <a:xfrm>
+          <a:off x="0" y="0"/>
+          <a:ext cx="0" cy="0"/>
+          <a:chOff x="0" y="0"/>
+          <a:chExt cx="0" cy="0"/>
+        </a:xfrm>
+      </p:grpSpPr>
+      <p:sp>
+        <p:nvSpPr>
+          <p:cNvPr id="4" name="TextBox 3"/>
+          <p:cNvSpPr txBox="1"/>
+          <p:nvPr/>
+        </p:nvSpPr>
+        <p:spPr>
+          <a:xfrm>
+            <a:off x="631625" y="514985"/>
+            <a:ext cx="4570482" cy="646331"/>
+          </a:xfrm>
+          <a:prstGeom prst="rect">
+            <a:avLst/>
+          </a:prstGeom>
+          <a:noFill/>
+        </p:spPr>
+        <p:txBody>
+          <a:bodyPr wrap="none" rtlCol="0">
+            <a:spAutoFit/>
+          </a:bodyPr>
+          <a:lstStyle/>
+          <a:p>
+            <a:r>
+              <a:rPr lang="en-US" sz="3600" b="1" smtClean="0">
+                <a:solidFill>
+                  <a:srgbClr val="ED5B00"/>
+                </a:solidFill>
+                <a:latin typeface="Arial" charset="0"/>
+                <a:ea typeface="Arial" charset="0"/>
+                <a:cs typeface="Arial" charset="0"/>
+              </a:rPr>
+              <a:t>STM sur échantillon</a:t>
+            </a:r>
+            <a:endParaRPr lang="en-US" sz="3600" b="1" smtClean="0">
+              <a:solidFill>
+                <a:srgbClr val="ED5B00"/>
+              </a:solidFill>
+              <a:latin typeface="Arial" charset="0"/>
+              <a:ea typeface="Arial" charset="0"/>
+              <a:cs typeface="Arial" charset="0"/>
+            </a:endParaRPr>
+          </a:p>
+        </p:txBody>
+      </p:sp>
+      <p:sp>
+        <p:nvSpPr>
+          <p:cNvPr id="5" name="TextBox 4"/>
+          <p:cNvSpPr txBox="1"/>
+          <p:nvPr/>
+        </p:nvSpPr>
+        <p:spPr>
+          <a:xfrm>
+            <a:off x="2141034" y="1773044"/>
+            <a:ext cx="6546600" cy="369332"/>
+          </a:xfrm>
+          <a:prstGeom prst="rect">
+            <a:avLst/>
+          </a:prstGeom>
+          <a:noFill/>
+        </p:spPr>
+        <p:txBody>
+          <a:bodyPr wrap="none" rtlCol="0">
+            <a:spAutoFit/>
+          </a:bodyPr>
+          <a:lstStyle/>
+          <a:p>
+            <a:r>
+              <a:rPr lang="fr-FR" smtClean="0"/>
+              <a:t>50.000 posts et commentaires, meme methode que precedemment</a:t>
+            </a:r>
+            <a:endParaRPr lang="fr-FR"/>
+          </a:p>
+        </p:txBody>
+      </p:sp>
+    </p:spTree>
+    <p:extLst>
+      <p:ext uri="{BB962C8B-B14F-4D97-AF65-F5344CB8AC3E}">
+        <p14:creationId xmlns:p14="http://schemas.microsoft.com/office/powerpoint/2010/main" val="1105842900"/>
+      </p:ext>
+    </p:extLst>
+  </p:cSld>
+  <p:clrMapOvr>
+    <a:masterClrMapping/>
+  </p:clrMapOvr>
+  <p:timing>
+    <p:tnLst>
+      <p:par>
+        <p:cTn id="1" dur="indefinite" restart="never" nodeType="tmRoot"/>
+      </p:par>
+    </p:tnLst>
+  </p:timing>
+</p:sld>
+</file>
+
+<file path=ppt/slides/slide23.xml><?xml version="1.0" encoding="utf-8"?>
+<p:sld xmlns:a="http://schemas.openxmlformats.org/drawingml/2006/main" xmlns:r="http://schemas.openxmlformats.org/officeDocument/2006/relationships" xmlns:p="http://schemas.openxmlformats.org/presentationml/2006/main">
+  <p:cSld>
+    <p:spTree>
+      <p:nvGrpSpPr>
+        <p:cNvPr id="1" name=""/>
+        <p:cNvGrpSpPr/>
+        <p:nvPr/>
+      </p:nvGrpSpPr>
+      <p:grpSpPr>
+        <a:xfrm>
+          <a:off x="0" y="0"/>
+          <a:ext cx="0" cy="0"/>
+          <a:chOff x="0" y="0"/>
+          <a:chExt cx="0" cy="0"/>
+        </a:xfrm>
+      </p:grpSpPr>
+      <p:sp>
+        <p:nvSpPr>
+          <p:cNvPr id="4" name="TextBox 3"/>
+          <p:cNvSpPr txBox="1"/>
+          <p:nvPr/>
+        </p:nvSpPr>
+        <p:spPr>
+          <a:xfrm>
+            <a:off x="631625" y="514985"/>
+            <a:ext cx="6776214" cy="646331"/>
+          </a:xfrm>
+          <a:prstGeom prst="rect">
+            <a:avLst/>
+          </a:prstGeom>
+          <a:noFill/>
+        </p:spPr>
+        <p:txBody>
+          <a:bodyPr wrap="none" rtlCol="0">
+            <a:spAutoFit/>
+          </a:bodyPr>
+          <a:lstStyle/>
+          <a:p>
+            <a:r>
+              <a:rPr lang="en-US" sz="3600" b="1" smtClean="0">
+                <a:solidFill>
+                  <a:srgbClr val="ED5B00"/>
+                </a:solidFill>
+                <a:latin typeface="Arial" charset="0"/>
+                <a:ea typeface="Arial" charset="0"/>
+                <a:cs typeface="Arial" charset="0"/>
+              </a:rPr>
+              <a:t>STM sur échantillon: résultats</a:t>
+            </a:r>
+            <a:endParaRPr lang="en-US" sz="3600" b="1" smtClean="0">
+              <a:solidFill>
+                <a:srgbClr val="ED5B00"/>
+              </a:solidFill>
+              <a:latin typeface="Arial" charset="0"/>
+              <a:ea typeface="Arial" charset="0"/>
+              <a:cs typeface="Arial" charset="0"/>
+            </a:endParaRPr>
+          </a:p>
+        </p:txBody>
+      </p:sp>
+      <p:sp>
+        <p:nvSpPr>
+          <p:cNvPr id="5" name="TextBox 4"/>
+          <p:cNvSpPr txBox="1"/>
+          <p:nvPr/>
+        </p:nvSpPr>
+        <p:spPr>
+          <a:xfrm>
+            <a:off x="1338146" y="1360449"/>
+            <a:ext cx="4585101" cy="923330"/>
+          </a:xfrm>
+          <a:prstGeom prst="rect">
+            <a:avLst/>
+          </a:prstGeom>
+          <a:noFill/>
+        </p:spPr>
+        <p:txBody>
+          <a:bodyPr wrap="none" rtlCol="0">
+            <a:spAutoFit/>
+          </a:bodyPr>
+          <a:lstStyle/>
+          <a:p>
+            <a:r>
+              <a:rPr lang="fr-FR" smtClean="0"/>
+              <a:t>Beaucoup plus lent</a:t>
+            </a:r>
+          </a:p>
+          <a:p>
+            <a:r>
+              <a:rPr lang="fr-FR" smtClean="0"/>
+              <a:t>Mais surtout les topics sont incomprehensibles</a:t>
+            </a:r>
+          </a:p>
+          <a:p>
+            <a:endParaRPr lang="fr-FR"/>
+          </a:p>
+        </p:txBody>
+      </p:sp>
+      <p:sp>
+        <p:nvSpPr>
+          <p:cNvPr id="6" name="TextBox 5"/>
+          <p:cNvSpPr txBox="1"/>
+          <p:nvPr/>
+        </p:nvSpPr>
+        <p:spPr>
+          <a:xfrm>
+            <a:off x="3660178" y="2482912"/>
+            <a:ext cx="719108" cy="369332"/>
+          </a:xfrm>
+          <a:prstGeom prst="rect">
+            <a:avLst/>
+          </a:prstGeom>
+          <a:noFill/>
+        </p:spPr>
+        <p:txBody>
+          <a:bodyPr wrap="none" rtlCol="0">
+            <a:spAutoFit/>
+          </a:bodyPr>
+          <a:lstStyle/>
+          <a:p>
+            <a:r>
+              <a:rPr lang="fr-FR" smtClean="0"/>
+              <a:t>Why?</a:t>
+            </a:r>
+            <a:endParaRPr lang="fr-FR"/>
+          </a:p>
+        </p:txBody>
+      </p:sp>
+      <p:sp>
+        <p:nvSpPr>
+          <p:cNvPr id="7" name="TextBox 6"/>
+          <p:cNvSpPr txBox="1"/>
+          <p:nvPr/>
+        </p:nvSpPr>
+        <p:spPr>
+          <a:xfrm>
+            <a:off x="1338146" y="3245005"/>
+            <a:ext cx="2421945" cy="369332"/>
+          </a:xfrm>
+          <a:prstGeom prst="rect">
+            <a:avLst/>
+          </a:prstGeom>
+          <a:noFill/>
+        </p:spPr>
+        <p:txBody>
+          <a:bodyPr wrap="none" rtlCol="0">
+            <a:spAutoFit/>
+          </a:bodyPr>
+          <a:lstStyle/>
+          <a:p>
+            <a:r>
+              <a:rPr lang="fr-FR" smtClean="0"/>
+              <a:t>Garbage in Garbage out</a:t>
+            </a:r>
+            <a:endParaRPr lang="fr-FR"/>
+          </a:p>
+        </p:txBody>
+      </p:sp>
+      <p:sp>
+        <p:nvSpPr>
+          <p:cNvPr id="8" name="TextBox 7"/>
+          <p:cNvSpPr txBox="1"/>
+          <p:nvPr/>
+        </p:nvSpPr>
+        <p:spPr>
+          <a:xfrm>
+            <a:off x="7407839" y="1452782"/>
+            <a:ext cx="4214680" cy="1477328"/>
+          </a:xfrm>
+          <a:prstGeom prst="rect">
+            <a:avLst/>
+          </a:prstGeom>
+          <a:noFill/>
+        </p:spPr>
+        <p:txBody>
+          <a:bodyPr wrap="none" rtlCol="0">
+            <a:spAutoFit/>
+          </a:bodyPr>
+          <a:lstStyle/>
+          <a:p>
+            <a:r>
+              <a:rPr lang="fr-FR" smtClean="0"/>
+              <a:t>Nettoyage intense du corpus:</a:t>
+            </a:r>
+          </a:p>
+          <a:p>
+            <a:pPr marL="285750" indent="-285750">
+              <a:buFont typeface="Arial" charset="0"/>
+              <a:buChar char="•"/>
+            </a:pPr>
+            <a:r>
+              <a:rPr lang="fr-FR" smtClean="0"/>
+              <a:t>Faire le tri entre le bruit et l’information</a:t>
+            </a:r>
+          </a:p>
+          <a:p>
+            <a:pPr marL="285750" indent="-285750">
+              <a:buFont typeface="Arial" charset="0"/>
+              <a:buChar char="•"/>
+            </a:pPr>
+            <a:r>
+              <a:rPr lang="fr-FR"/>
+              <a:t>Enlever les noms de personnes</a:t>
+            </a:r>
+          </a:p>
+          <a:p>
+            <a:pPr marL="285750" indent="-285750">
+              <a:buFont typeface="Arial" charset="0"/>
+              <a:buChar char="•"/>
+            </a:pPr>
+            <a:endParaRPr lang="fr-FR" smtClean="0"/>
+          </a:p>
+          <a:p>
+            <a:pPr marL="285750" indent="-285750">
+              <a:buFont typeface="Arial" charset="0"/>
+              <a:buChar char="•"/>
+            </a:pPr>
+            <a:endParaRPr lang="fr-FR"/>
+          </a:p>
+        </p:txBody>
+      </p:sp>
+    </p:spTree>
+    <p:extLst>
+      <p:ext uri="{BB962C8B-B14F-4D97-AF65-F5344CB8AC3E}">
+        <p14:creationId xmlns:p14="http://schemas.microsoft.com/office/powerpoint/2010/main" val="382733455"/>
+      </p:ext>
+    </p:extLst>
+  </p:cSld>
+  <p:clrMapOvr>
+    <a:masterClrMapping/>
+  </p:clrMapOvr>
+  <p:timing>
+    <p:tnLst>
+      <p:par>
+        <p:cTn id="1" dur="indefinite" restart="never" nodeType="tmRoot"/>
+      </p:par>
+    </p:tnLst>
+  </p:timing>
+</p:sld>
+</file>
+
+<file path=ppt/slides/slide24.xml><?xml version="1.0" encoding="utf-8"?>
+<p:sld xmlns:a="http://schemas.openxmlformats.org/drawingml/2006/main" xmlns:r="http://schemas.openxmlformats.org/officeDocument/2006/relationships" xmlns:p="http://schemas.openxmlformats.org/presentationml/2006/main">
+  <p:cSld>
+    <p:spTree>
+      <p:nvGrpSpPr>
+        <p:cNvPr id="1" name=""/>
+        <p:cNvGrpSpPr/>
+        <p:nvPr/>
+      </p:nvGrpSpPr>
+      <p:grpSpPr>
+        <a:xfrm>
+          <a:off x="0" y="0"/>
+          <a:ext cx="0" cy="0"/>
+          <a:chOff x="0" y="0"/>
+          <a:chExt cx="0" cy="0"/>
+        </a:xfrm>
+      </p:grpSpPr>
+      <p:sp>
+        <p:nvSpPr>
+          <p:cNvPr id="4" name="TextBox 3"/>
+          <p:cNvSpPr txBox="1"/>
+          <p:nvPr/>
+        </p:nvSpPr>
+        <p:spPr>
+          <a:xfrm>
+            <a:off x="631625" y="514985"/>
+            <a:ext cx="8776762" cy="646331"/>
+          </a:xfrm>
+          <a:prstGeom prst="rect">
+            <a:avLst/>
+          </a:prstGeom>
+          <a:noFill/>
+        </p:spPr>
+        <p:txBody>
+          <a:bodyPr wrap="none" rtlCol="0">
+            <a:spAutoFit/>
+          </a:bodyPr>
+          <a:lstStyle/>
+          <a:p>
+            <a:r>
+              <a:rPr lang="en-US" sz="3600" b="1" smtClean="0">
+                <a:solidFill>
+                  <a:srgbClr val="ED5B00"/>
+                </a:solidFill>
+                <a:latin typeface="Arial" charset="0"/>
+                <a:ea typeface="Arial" charset="0"/>
+                <a:cs typeface="Arial" charset="0"/>
+              </a:rPr>
+              <a:t>Faire le tri entre le bruit et l’information</a:t>
+            </a:r>
+            <a:endParaRPr lang="en-US" sz="3600" b="1" smtClean="0">
+              <a:solidFill>
+                <a:srgbClr val="ED5B00"/>
+              </a:solidFill>
+              <a:latin typeface="Arial" charset="0"/>
+              <a:ea typeface="Arial" charset="0"/>
+              <a:cs typeface="Arial" charset="0"/>
+            </a:endParaRPr>
+          </a:p>
+        </p:txBody>
+      </p:sp>
+      <p:sp>
+        <p:nvSpPr>
+          <p:cNvPr id="2" name="TextBox 1"/>
+          <p:cNvSpPr txBox="1"/>
+          <p:nvPr/>
+        </p:nvSpPr>
+        <p:spPr>
+          <a:xfrm>
+            <a:off x="1839951" y="1694985"/>
+            <a:ext cx="9358716" cy="3970318"/>
+          </a:xfrm>
+          <a:prstGeom prst="rect">
+            <a:avLst/>
+          </a:prstGeom>
+          <a:noFill/>
+        </p:spPr>
+        <p:txBody>
+          <a:bodyPr wrap="none" rtlCol="0">
+            <a:spAutoFit/>
+          </a:bodyPr>
+          <a:lstStyle/>
+          <a:p>
+            <a:r>
+              <a:rPr lang="fr-FR" b="1" smtClean="0"/>
+              <a:t>Noms de personnes:</a:t>
+            </a:r>
+          </a:p>
+          <a:p>
+            <a:pPr marL="285750" indent="-285750">
+              <a:buFont typeface="Arial" charset="0"/>
+              <a:buChar char="•"/>
+            </a:pPr>
+            <a:r>
+              <a:rPr lang="fr-FR" smtClean="0"/>
+              <a:t>Info: Trump, Clinton, Bernie, Suckerberg</a:t>
+            </a:r>
+          </a:p>
+          <a:p>
+            <a:pPr marL="285750" indent="-285750">
+              <a:buFont typeface="Arial" charset="0"/>
+              <a:buChar char="•"/>
+            </a:pPr>
+            <a:r>
+              <a:rPr lang="fr-FR" smtClean="0"/>
+              <a:t>Bruit: tag de copains (britney smith,  john doe, </a:t>
+            </a:r>
+            <a:r>
+              <a:rPr lang="is-IS" smtClean="0"/>
+              <a:t>…</a:t>
+            </a:r>
+            <a:r>
+              <a:rPr lang="fr-FR" smtClean="0"/>
+              <a:t> )</a:t>
+            </a:r>
+          </a:p>
+          <a:p>
+            <a:endParaRPr lang="fr-FR" smtClean="0"/>
+          </a:p>
+          <a:p>
+            <a:r>
+              <a:rPr lang="fr-FR" smtClean="0"/>
+              <a:t>Argot</a:t>
+            </a:r>
+          </a:p>
+          <a:p>
+            <a:pPr marL="285750" indent="-285750">
+              <a:buFont typeface="Arial" charset="0"/>
+              <a:buChar char="•"/>
+            </a:pPr>
+            <a:r>
+              <a:rPr lang="fr-FR" smtClean="0"/>
+              <a:t>Info: dindu nuffin, cuck</a:t>
+            </a:r>
+          </a:p>
+          <a:p>
+            <a:pPr marL="285750" indent="-285750">
+              <a:buFont typeface="Arial" charset="0"/>
+              <a:buChar char="•"/>
+            </a:pPr>
+            <a:r>
+              <a:rPr lang="fr-FR" smtClean="0"/>
+              <a:t>Bruit: lmfaooooo, lololololol, xdd, </a:t>
+            </a:r>
+            <a:r>
+              <a:rPr lang="is-IS" smtClean="0"/>
+              <a:t>…</a:t>
+            </a:r>
+          </a:p>
+          <a:p>
+            <a:endParaRPr lang="is-IS" smtClean="0"/>
+          </a:p>
+          <a:p>
+            <a:r>
+              <a:rPr lang="is-IS" smtClean="0"/>
+              <a:t>Abreviations:</a:t>
+            </a:r>
+          </a:p>
+          <a:p>
+            <a:pPr marL="285750" indent="-285750">
+              <a:buFont typeface="Arial" charset="0"/>
+              <a:buChar char="•"/>
+            </a:pPr>
+            <a:r>
+              <a:rPr lang="en-US" smtClean="0"/>
+              <a:t>I</a:t>
+            </a:r>
+            <a:r>
+              <a:rPr lang="is-IS" smtClean="0"/>
+              <a:t>nfo: </a:t>
+            </a:r>
+            <a:r>
+              <a:rPr lang="en-US"/>
+              <a:t>merica</a:t>
+            </a:r>
+            <a:r>
+              <a:rPr lang="en-US"/>
+              <a:t>, </a:t>
+            </a:r>
+            <a:r>
+              <a:rPr lang="en-US"/>
+              <a:t>fb</a:t>
+            </a:r>
+            <a:r>
+              <a:rPr lang="en-US"/>
+              <a:t>, </a:t>
+            </a:r>
+            <a:r>
+              <a:rPr lang="en-US" smtClean="0"/>
+              <a:t>swj</a:t>
+            </a:r>
+          </a:p>
+          <a:p>
+            <a:pPr marL="285750" indent="-285750">
+              <a:buFont typeface="Arial" charset="0"/>
+              <a:buChar char="•"/>
+            </a:pPr>
+            <a:r>
+              <a:rPr lang="en-US"/>
+              <a:t>Bruit</a:t>
+            </a:r>
+            <a:r>
+              <a:rPr lang="en-US"/>
+              <a:t>: </a:t>
+            </a:r>
+            <a:r>
+              <a:rPr lang="en-US" smtClean="0"/>
+              <a:t>thatll (that will), shed (she would), </a:t>
+            </a:r>
+            <a:r>
+              <a:rPr lang="is-IS" smtClean="0"/>
+              <a:t>…</a:t>
+            </a:r>
+          </a:p>
+          <a:p>
+            <a:pPr marL="285750" indent="-285750">
+              <a:buFont typeface="Arial" charset="0"/>
+              <a:buChar char="•"/>
+            </a:pPr>
+            <a:endParaRPr lang="fr-FR" smtClean="0"/>
+          </a:p>
+          <a:p>
+            <a:r>
+              <a:rPr lang="fr-FR" smtClean="0"/>
+              <a:t>Stopwords: juste equilibre entre enlever les mots trop fréquents sans toucher aux mots signifiants</a:t>
+            </a:r>
+          </a:p>
+          <a:p>
+            <a:endParaRPr lang="fr-FR"/>
+          </a:p>
+        </p:txBody>
+      </p:sp>
+    </p:spTree>
+    <p:extLst>
+      <p:ext uri="{BB962C8B-B14F-4D97-AF65-F5344CB8AC3E}">
+        <p14:creationId xmlns:p14="http://schemas.microsoft.com/office/powerpoint/2010/main" val="1701784052"/>
+      </p:ext>
+    </p:extLst>
+  </p:cSld>
+  <p:clrMapOvr>
+    <a:masterClrMapping/>
+  </p:clrMapOvr>
+  <p:timing>
+    <p:tnLst>
+      <p:par>
+        <p:cTn id="1" dur="indefinite" restart="never" nodeType="tmRoot"/>
+      </p:par>
+    </p:tnLst>
+  </p:timing>
+</p:sld>
+</file>
+
+<file path=ppt/slides/slide25.xml><?xml version="1.0" encoding="utf-8"?>
+<p:sld xmlns:a="http://schemas.openxmlformats.org/drawingml/2006/main" xmlns:r="http://schemas.openxmlformats.org/officeDocument/2006/relationships" xmlns:p="http://schemas.openxmlformats.org/presentationml/2006/main">
+  <p:cSld>
+    <p:spTree>
+      <p:nvGrpSpPr>
+        <p:cNvPr id="1" name=""/>
+        <p:cNvGrpSpPr/>
+        <p:nvPr/>
+      </p:nvGrpSpPr>
+      <p:grpSpPr>
+        <a:xfrm>
+          <a:off x="0" y="0"/>
+          <a:ext cx="0" cy="0"/>
+          <a:chOff x="0" y="0"/>
+          <a:chExt cx="0" cy="0"/>
+        </a:xfrm>
+      </p:grpSpPr>
+      <p:sp>
+        <p:nvSpPr>
+          <p:cNvPr id="4" name="TextBox 3"/>
+          <p:cNvSpPr txBox="1"/>
+          <p:nvPr/>
+        </p:nvSpPr>
+        <p:spPr>
+          <a:xfrm>
+            <a:off x="631625" y="514985"/>
+            <a:ext cx="9973884" cy="646331"/>
+          </a:xfrm>
+          <a:prstGeom prst="rect">
+            <a:avLst/>
+          </a:prstGeom>
+          <a:noFill/>
+        </p:spPr>
+        <p:txBody>
+          <a:bodyPr wrap="none" rtlCol="0">
+            <a:spAutoFit/>
+          </a:bodyPr>
+          <a:lstStyle/>
+          <a:p>
+            <a:r>
+              <a:rPr lang="en-US" sz="3600" b="1" smtClean="0">
+                <a:solidFill>
+                  <a:srgbClr val="ED5B00"/>
+                </a:solidFill>
+                <a:latin typeface="Arial" charset="0"/>
+                <a:ea typeface="Arial" charset="0"/>
+                <a:cs typeface="Arial" charset="0"/>
+              </a:rPr>
+              <a:t>Arsenal NLP de reduction de bruit en python</a:t>
+            </a:r>
+            <a:endParaRPr lang="en-US" sz="3600" b="1" smtClean="0">
+              <a:solidFill>
+                <a:srgbClr val="ED5B00"/>
+              </a:solidFill>
+              <a:latin typeface="Arial" charset="0"/>
+              <a:ea typeface="Arial" charset="0"/>
+              <a:cs typeface="Arial" charset="0"/>
+            </a:endParaRPr>
+          </a:p>
+        </p:txBody>
+      </p:sp>
+      <p:sp>
+        <p:nvSpPr>
+          <p:cNvPr id="6" name="TextBox 5"/>
+          <p:cNvSpPr txBox="1"/>
+          <p:nvPr/>
+        </p:nvSpPr>
+        <p:spPr>
+          <a:xfrm>
+            <a:off x="1405054" y="1639229"/>
+            <a:ext cx="7498976" cy="2308324"/>
+          </a:xfrm>
+          <a:prstGeom prst="rect">
+            <a:avLst/>
+          </a:prstGeom>
+          <a:noFill/>
+        </p:spPr>
+        <p:txBody>
+          <a:bodyPr wrap="none" rtlCol="0">
+            <a:spAutoFit/>
+          </a:bodyPr>
+          <a:lstStyle/>
+          <a:p>
+            <a:pPr marL="285750" indent="-285750">
+              <a:buFont typeface="Arial" charset="0"/>
+              <a:buChar char="•"/>
+            </a:pPr>
+            <a:r>
+              <a:rPr lang="fr-FR" smtClean="0"/>
+              <a:t>La base: distribution anaconda, jupyter notebooks, pandas</a:t>
+            </a:r>
+          </a:p>
+          <a:p>
+            <a:pPr marL="285750" indent="-285750">
+              <a:buFont typeface="Arial" charset="0"/>
+              <a:buChar char="•"/>
+            </a:pPr>
+            <a:r>
+              <a:rPr lang="fr-FR" smtClean="0"/>
+              <a:t>NLTK: tokenization et bien d’autres choses</a:t>
+            </a:r>
+            <a:endParaRPr lang="fr-FR" smtClean="0">
+              <a:hlinkClick r:id="rId2"/>
+            </a:endParaRPr>
+          </a:p>
+          <a:p>
+            <a:pPr marL="285750" indent="-285750">
+              <a:buFont typeface="Arial" charset="0"/>
+              <a:buChar char="•"/>
+            </a:pPr>
+            <a:r>
+              <a:rPr lang="fr-FR" smtClean="0">
+                <a:hlinkClick r:id="rId2"/>
+              </a:rPr>
+              <a:t>Spacy.io</a:t>
+            </a:r>
+            <a:r>
+              <a:rPr lang="fr-FR" smtClean="0"/>
+              <a:t>: </a:t>
+            </a:r>
+            <a:r>
+              <a:rPr lang="fr-FR" u="sng">
+                <a:solidFill>
+                  <a:srgbClr val="FF0000"/>
+                </a:solidFill>
+              </a:rPr>
+              <a:t>Part-of-speech </a:t>
+            </a:r>
+            <a:r>
+              <a:rPr lang="fr-FR" u="sng" smtClean="0">
+                <a:solidFill>
+                  <a:srgbClr val="FF0000"/>
+                </a:solidFill>
+              </a:rPr>
+              <a:t>tagging, </a:t>
+            </a:r>
+            <a:r>
+              <a:rPr lang="fr-FR" u="sng">
+                <a:solidFill>
+                  <a:srgbClr val="FF0000"/>
+                </a:solidFill>
+              </a:rPr>
+              <a:t>Named entity</a:t>
+            </a:r>
+            <a:r>
+              <a:rPr lang="fr-FR" u="sng">
+                <a:solidFill>
+                  <a:srgbClr val="FF0000"/>
+                </a:solidFill>
+              </a:rPr>
+              <a:t> </a:t>
+            </a:r>
+            <a:r>
+              <a:rPr lang="fr-FR" u="sng" smtClean="0">
+                <a:solidFill>
+                  <a:srgbClr val="FF0000"/>
+                </a:solidFill>
+              </a:rPr>
+              <a:t>recognition</a:t>
+            </a:r>
+            <a:r>
+              <a:rPr lang="fr-FR" smtClean="0"/>
+              <a:t>, tokenization, </a:t>
+            </a:r>
+            <a:r>
+              <a:rPr lang="is-IS" smtClean="0"/>
+              <a:t>…</a:t>
+            </a:r>
+          </a:p>
+          <a:p>
+            <a:pPr marL="285750" indent="-285750">
+              <a:buFont typeface="Arial" charset="0"/>
+              <a:buChar char="•"/>
+            </a:pPr>
+            <a:r>
+              <a:rPr lang="en-US" smtClean="0">
+                <a:hlinkClick r:id="rId3"/>
+              </a:rPr>
+              <a:t>Inflect</a:t>
+            </a:r>
+            <a:r>
+              <a:rPr lang="en-US" smtClean="0"/>
+              <a:t>: pluriels, singuliers, string transformations</a:t>
+            </a:r>
+          </a:p>
+          <a:p>
+            <a:pPr marL="285750" indent="-285750">
+              <a:buFont typeface="Arial" charset="0"/>
+              <a:buChar char="•"/>
+            </a:pPr>
+            <a:r>
+              <a:rPr lang="en-US" smtClean="0">
+                <a:hlinkClick r:id="rId4"/>
+              </a:rPr>
+              <a:t>Enchant</a:t>
+            </a:r>
+            <a:r>
+              <a:rPr lang="en-US" smtClean="0"/>
+              <a:t>: </a:t>
+            </a:r>
+            <a:r>
+              <a:rPr lang="en-US"/>
+              <a:t>spellchecking library for Python</a:t>
+            </a:r>
+            <a:endParaRPr lang="is-IS" smtClean="0"/>
+          </a:p>
+          <a:p>
+            <a:pPr marL="285750" indent="-285750">
+              <a:buFont typeface="Arial" charset="0"/>
+              <a:buChar char="•"/>
+            </a:pPr>
+            <a:r>
+              <a:rPr lang="is-IS" smtClean="0"/>
+              <a:t>Regex: pour reduire certaines strings </a:t>
+            </a:r>
+            <a:r>
+              <a:rPr lang="is-IS" i="1" smtClean="0"/>
+              <a:t>lmaooooo =&gt; lmao</a:t>
+            </a:r>
+          </a:p>
+          <a:p>
+            <a:pPr marL="285750" indent="-285750">
+              <a:buFont typeface="Arial" charset="0"/>
+              <a:buChar char="•"/>
+            </a:pPr>
+            <a:r>
+              <a:rPr lang="is-IS" smtClean="0"/>
+              <a:t>textBlob,  vader pour sentiment analysis</a:t>
+            </a:r>
+          </a:p>
+          <a:p>
+            <a:pPr marL="285750" indent="-285750">
+              <a:buFont typeface="Arial" charset="0"/>
+              <a:buChar char="•"/>
+            </a:pPr>
+            <a:r>
+              <a:rPr lang="is-IS" smtClean="0"/>
+              <a:t>Wordnet et </a:t>
+            </a:r>
+            <a:r>
+              <a:rPr lang="en-US" smtClean="0"/>
+              <a:t>S</a:t>
+            </a:r>
+            <a:r>
+              <a:rPr lang="is-IS" smtClean="0"/>
+              <a:t>entiwordnet: synonyme, proximité, signification</a:t>
+            </a:r>
+            <a:endParaRPr lang="fr-FR"/>
+          </a:p>
+        </p:txBody>
+      </p:sp>
+    </p:spTree>
+    <p:extLst>
+      <p:ext uri="{BB962C8B-B14F-4D97-AF65-F5344CB8AC3E}">
+        <p14:creationId xmlns:p14="http://schemas.microsoft.com/office/powerpoint/2010/main" val="585995327"/>
+      </p:ext>
+    </p:extLst>
+  </p:cSld>
+  <p:clrMapOvr>
+    <a:masterClrMapping/>
+  </p:clrMapOvr>
+  <p:timing>
+    <p:tnLst>
+      <p:par>
+        <p:cTn id="1" dur="indefinite" restart="never" nodeType="tmRoot"/>
+      </p:par>
+    </p:tnLst>
+  </p:timing>
+</p:sld>
+</file>
+
+<file path=ppt/slides/slide26.xml><?xml version="1.0" encoding="utf-8"?>
+<p:sld xmlns:a="http://schemas.openxmlformats.org/drawingml/2006/main" xmlns:r="http://schemas.openxmlformats.org/officeDocument/2006/relationships" xmlns:p="http://schemas.openxmlformats.org/presentationml/2006/main">
+  <p:cSld>
+    <p:spTree>
+      <p:nvGrpSpPr>
+        <p:cNvPr id="1" name=""/>
+        <p:cNvGrpSpPr/>
+        <p:nvPr/>
+      </p:nvGrpSpPr>
+      <p:grpSpPr>
+        <a:xfrm>
+          <a:off x="0" y="0"/>
+          <a:ext cx="0" cy="0"/>
+          <a:chOff x="0" y="0"/>
+          <a:chExt cx="0" cy="0"/>
+        </a:xfrm>
+      </p:grpSpPr>
+      <p:sp>
+        <p:nvSpPr>
+          <p:cNvPr id="4" name="TextBox 3"/>
+          <p:cNvSpPr txBox="1"/>
+          <p:nvPr/>
+        </p:nvSpPr>
+        <p:spPr>
+          <a:xfrm>
+            <a:off x="631625" y="514985"/>
+            <a:ext cx="7187096" cy="646331"/>
+          </a:xfrm>
+          <a:prstGeom prst="rect">
+            <a:avLst/>
+          </a:prstGeom>
+          <a:noFill/>
+        </p:spPr>
+        <p:txBody>
+          <a:bodyPr wrap="none" rtlCol="0">
+            <a:spAutoFit/>
+          </a:bodyPr>
+          <a:lstStyle/>
+          <a:p>
+            <a:r>
+              <a:rPr lang="en-US" sz="3600" b="1" smtClean="0">
+                <a:solidFill>
+                  <a:srgbClr val="ED5B00"/>
+                </a:solidFill>
+                <a:latin typeface="Arial" charset="0"/>
+                <a:ea typeface="Arial" charset="0"/>
+                <a:cs typeface="Arial" charset="0"/>
+              </a:rPr>
+              <a:t>Pipeline pour FB-GET: les noms</a:t>
+            </a:r>
+            <a:endParaRPr lang="en-US" sz="3600" b="1" smtClean="0">
+              <a:solidFill>
+                <a:srgbClr val="ED5B00"/>
+              </a:solidFill>
+              <a:latin typeface="Arial" charset="0"/>
+              <a:ea typeface="Arial" charset="0"/>
+              <a:cs typeface="Arial" charset="0"/>
+            </a:endParaRPr>
+          </a:p>
+        </p:txBody>
+      </p:sp>
+      <p:sp>
+        <p:nvSpPr>
+          <p:cNvPr id="5" name="TextBox 4"/>
+          <p:cNvSpPr txBox="1"/>
+          <p:nvPr/>
+        </p:nvSpPr>
+        <p:spPr>
+          <a:xfrm>
+            <a:off x="1750741" y="1605776"/>
+            <a:ext cx="6142451" cy="3139321"/>
+          </a:xfrm>
+          <a:prstGeom prst="rect">
+            <a:avLst/>
+          </a:prstGeom>
+          <a:noFill/>
+        </p:spPr>
+        <p:txBody>
+          <a:bodyPr wrap="none" rtlCol="0">
+            <a:spAutoFit/>
+          </a:bodyPr>
+          <a:lstStyle/>
+          <a:p>
+            <a:r>
+              <a:rPr lang="fr-FR" smtClean="0"/>
+              <a:t>Comment séparer les noms utiles des noms inutiles?</a:t>
+            </a:r>
+          </a:p>
+          <a:p>
+            <a:r>
+              <a:rPr lang="fr-FR" smtClean="0"/>
+              <a:t>Named Entity Recognition avec Spacy</a:t>
+            </a:r>
+          </a:p>
+          <a:p>
+            <a:endParaRPr lang="fr-FR"/>
+          </a:p>
+          <a:p>
+            <a:r>
+              <a:rPr lang="fr-FR"/>
+              <a:t>Pour chaque commentaire le NER </a:t>
+            </a:r>
+            <a:r>
+              <a:rPr lang="fr-FR"/>
+              <a:t>va </a:t>
+            </a:r>
+            <a:r>
+              <a:rPr lang="fr-FR" smtClean="0"/>
+              <a:t>identifier:</a:t>
+            </a:r>
+          </a:p>
+          <a:p>
+            <a:pPr marL="285750" indent="-285750">
+              <a:buFont typeface="Arial" charset="0"/>
+              <a:buChar char="•"/>
+            </a:pPr>
+            <a:r>
+              <a:rPr lang="fr-FR" smtClean="0"/>
+              <a:t>PERSON: personnes</a:t>
+            </a:r>
+          </a:p>
+          <a:p>
+            <a:pPr marL="285750" indent="-285750">
+              <a:buFont typeface="Arial" charset="0"/>
+              <a:buChar char="•"/>
+            </a:pPr>
+            <a:r>
+              <a:rPr lang="fr-FR" smtClean="0"/>
+              <a:t>GPE: pays, villes, etats</a:t>
+            </a:r>
+          </a:p>
+          <a:p>
+            <a:pPr marL="285750" indent="-285750">
+              <a:buFont typeface="Arial" charset="0"/>
+              <a:buChar char="•"/>
+            </a:pPr>
+            <a:r>
+              <a:rPr lang="fr-FR" smtClean="0"/>
+              <a:t>ORG: entreprises, marques</a:t>
+            </a:r>
+          </a:p>
+          <a:p>
+            <a:pPr marL="285750" indent="-285750">
+              <a:buFont typeface="Arial" charset="0"/>
+              <a:buChar char="•"/>
+            </a:pPr>
+            <a:r>
+              <a:rPr lang="fr-FR" smtClean="0"/>
+              <a:t>NORP: Nationalités, religions, </a:t>
+            </a:r>
+            <a:r>
+              <a:rPr lang="is-IS" smtClean="0"/>
+              <a:t>…</a:t>
+            </a:r>
+            <a:endParaRPr lang="fr-FR" smtClean="0"/>
+          </a:p>
+          <a:p>
+            <a:pPr marL="285750" indent="-285750">
+              <a:buFont typeface="Arial" charset="0"/>
+              <a:buChar char="•"/>
+            </a:pPr>
+            <a:r>
+              <a:rPr lang="is-IS" smtClean="0"/>
+              <a:t>…</a:t>
+            </a:r>
+          </a:p>
+          <a:p>
+            <a:pPr marL="285750" indent="-285750">
+              <a:buFont typeface="Arial" charset="0"/>
+              <a:buChar char="•"/>
+            </a:pPr>
+            <a:r>
+              <a:rPr lang="en-US">
+                <a:hlinkClick r:id="rId2"/>
+              </a:rPr>
+              <a:t>https</a:t>
+            </a:r>
+            <a:r>
+              <a:rPr lang="en-US">
+                <a:hlinkClick r:id="rId2"/>
+              </a:rPr>
+              <a:t>://</a:t>
+            </a:r>
+            <a:r>
+              <a:rPr lang="en-US" smtClean="0">
+                <a:hlinkClick r:id="rId2"/>
+              </a:rPr>
+              <a:t>spacy.io/docs/usage/entity-recognition#entity-types</a:t>
+            </a:r>
+            <a:r>
+              <a:rPr lang="en-US" smtClean="0"/>
+              <a:t> </a:t>
+            </a:r>
+          </a:p>
+          <a:p>
+            <a:r>
+              <a:rPr lang="en-US" smtClean="0"/>
+              <a:t>Donc premiere etape, est de lister les entites dans le corpus</a:t>
+            </a:r>
+            <a:endParaRPr lang="fr-FR"/>
+          </a:p>
+        </p:txBody>
+      </p:sp>
+    </p:spTree>
+    <p:extLst>
+      <p:ext uri="{BB962C8B-B14F-4D97-AF65-F5344CB8AC3E}">
+        <p14:creationId xmlns:p14="http://schemas.microsoft.com/office/powerpoint/2010/main" val="851127622"/>
+      </p:ext>
+    </p:extLst>
+  </p:cSld>
+  <p:clrMapOvr>
+    <a:masterClrMapping/>
+  </p:clrMapOvr>
+  <p:timing>
+    <p:tnLst>
+      <p:par>
+        <p:cTn id="1" dur="indefinite" restart="never" nodeType="tmRoot"/>
+      </p:par>
+    </p:tnLst>
+  </p:timing>
 </p:sld>
 </file>
 
@@ -6394,14 +8802,6 @@
               </a:rPr>
               <a:t>Qu’est ce que le Topic Modeling </a:t>
             </a:r>
-            <a:endParaRPr lang="en-US" sz="3600" b="1" smtClean="0">
-              <a:solidFill>
-                <a:srgbClr val="ED5B00"/>
-              </a:solidFill>
-              <a:latin typeface="Arial" charset="0"/>
-              <a:ea typeface="Arial" charset="0"/>
-              <a:cs typeface="Arial" charset="0"/>
-            </a:endParaRPr>
           </a:p>
         </p:txBody>
       </p:sp>
@@ -6459,11 +8859,7 @@
           <a:p>
             <a:r>
               <a:rPr lang="fr-FR"/>
-              <a:t>Exemples</a:t>
-            </a:r>
-            <a:r>
-              <a:rPr lang="fr-FR"/>
-              <a:t>: </a:t>
+              <a:t>Exemples: </a:t>
             </a:r>
             <a:endParaRPr lang="fr-FR" smtClean="0"/>
           </a:p>
@@ -6480,13 +8876,7 @@
               <a:rPr lang="fr-FR">
                 <a:hlinkClick r:id="rId2"/>
               </a:rPr>
-              <a:t>http://</a:t>
-            </a:r>
-            <a:r>
-              <a:rPr lang="fr-FR">
-                <a:hlinkClick r:id="rId2"/>
-              </a:rPr>
-              <a:t>www.common-place-archives.org/vol-06/no-02/tales</a:t>
+              <a:t>http://www.common-place-archives.org/vol-06/no-02/tales</a:t>
             </a:r>
             <a:r>
               <a:rPr lang="fr-FR" smtClean="0">
@@ -6511,11 +8901,7 @@
             </a:r>
             <a:r>
               <a:rPr lang="fr-FR"/>
-              <a:t>Topic Models for Open-Ended </a:t>
-            </a:r>
-            <a:r>
-              <a:rPr lang="fr-FR"/>
-              <a:t>Survey </a:t>
+              <a:t>Topic Models for Open-Ended Survey </a:t>
             </a:r>
             <a:r>
               <a:rPr lang="fr-FR" smtClean="0"/>
@@ -6549,15 +8935,7 @@
             </a:pPr>
             <a:r>
               <a:rPr lang="fr-FR"/>
-              <a:t>3,346 works of 19th-century British, Irish, and </a:t>
-            </a:r>
-            <a:r>
-              <a:rPr lang="fr-FR"/>
-              <a:t>American </a:t>
-            </a:r>
-            <a:r>
-              <a:rPr lang="fr-FR"/>
-              <a:t>fiction http://digitalcommons.unl.edu/cgi/viewcontent.cgi?article=1105&amp;context=englishfacpubs</a:t>
+              <a:t>3,346 works of 19th-century British, Irish, and American fiction http://digitalcommons.unl.edu/cgi/viewcontent.cgi?article=1105&amp;context=englishfacpubs</a:t>
             </a:r>
           </a:p>
           <a:p>
@@ -6611,14 +8989,6 @@
               </a:rPr>
               <a:t>Exemples</a:t>
             </a:r>
-            <a:endParaRPr lang="en-US" sz="3600" b="1" smtClean="0">
-              <a:solidFill>
-                <a:srgbClr val="ED5B00"/>
-              </a:solidFill>
-              <a:latin typeface="Arial" charset="0"/>
-              <a:ea typeface="Arial" charset="0"/>
-              <a:cs typeface="Arial" charset="0"/>
-            </a:endParaRPr>
           </a:p>
         </p:txBody>
       </p:sp>
@@ -6685,14 +9055,6 @@
               </a:rPr>
               <a:t>Approche</a:t>
             </a:r>
-            <a:endParaRPr lang="en-US" sz="3600" b="1" smtClean="0">
-              <a:solidFill>
-                <a:srgbClr val="ED5B00"/>
-              </a:solidFill>
-              <a:latin typeface="Arial" charset="0"/>
-              <a:ea typeface="Arial" charset="0"/>
-              <a:cs typeface="Arial" charset="0"/>
-            </a:endParaRPr>
           </a:p>
         </p:txBody>
       </p:sp>
@@ -6920,11 +9282,7 @@
           <a:p>
             <a:r>
               <a:rPr lang="fr-FR"/>
-              <a:t>Tous les corpus ne sont </a:t>
-            </a:r>
-            <a:r>
-              <a:rPr lang="fr-FR"/>
-              <a:t>pas </a:t>
+              <a:t>Tous les corpus ne sont pas </a:t>
             </a:r>
             <a:r>
               <a:rPr lang="fr-FR" smtClean="0"/>
@@ -6942,11 +9300,7 @@
             </a:r>
             <a:r>
               <a:rPr lang="fr-FR"/>
-              <a:t>vs long: litterature, documents officiels et articles de journaux vs tweets </a:t>
-            </a:r>
-            <a:r>
-              <a:rPr lang="fr-FR"/>
-              <a:t>/ </a:t>
+              <a:t>vs long: litterature, documents officiels et articles de journaux vs tweets / </a:t>
             </a:r>
             <a:r>
               <a:rPr lang="fr-FR" smtClean="0"/>
@@ -6964,11 +9318,7 @@
             </a:r>
             <a:r>
               <a:rPr lang="fr-FR"/>
-              <a:t>: anglais, francais</a:t>
-            </a:r>
-            <a:r>
-              <a:rPr lang="fr-FR"/>
-              <a:t>, </a:t>
+              <a:t>: anglais, francais, </a:t>
             </a:r>
             <a:r>
               <a:rPr lang="fr-FR" smtClean="0"/>
@@ -6986,11 +9336,7 @@
             </a:r>
             <a:r>
               <a:rPr lang="fr-FR"/>
-              <a:t>de langue: classique, speech to text, argot</a:t>
-            </a:r>
-            <a:r>
-              <a:rPr lang="fr-FR"/>
-              <a:t>, </a:t>
+              <a:t>de langue: classique, speech to text, argot, </a:t>
             </a:r>
             <a:r>
               <a:rPr lang="fr-FR" smtClean="0"/>
@@ -7008,11 +9354,7 @@
             </a:r>
             <a:r>
               <a:rPr lang="fr-FR"/>
-              <a:t>: images, urls,sms, Phrase, paragraphe, article</a:t>
-            </a:r>
-            <a:r>
-              <a:rPr lang="fr-FR"/>
-              <a:t>, </a:t>
+              <a:t>: images, urls,sms, Phrase, paragraphe, article, </a:t>
             </a:r>
             <a:r>
               <a:rPr lang="fr-FR" smtClean="0"/>
@@ -7075,11 +9417,7 @@
             </a:r>
             <a:r>
               <a:rPr lang="fr-FR" i="1"/>
-              <a:t>avons des devoirs envers notre pays</a:t>
-            </a:r>
-            <a:r>
-              <a:rPr lang="fr-FR" i="1"/>
-              <a:t>. </a:t>
+              <a:t>avons des devoirs envers notre pays. </a:t>
             </a:r>
             <a:endParaRPr lang="fr-FR" i="1" smtClean="0"/>
           </a:p>
@@ -7090,11 +9428,7 @@
             </a:r>
             <a:r>
               <a:rPr lang="fr-FR" i="1"/>
-              <a:t>sommes les héritiers d’une grande histoire et du grand message humaniste adressé au monde</a:t>
-            </a:r>
-            <a:r>
-              <a:rPr lang="fr-FR" i="1"/>
-              <a:t>. </a:t>
+              <a:t>sommes les héritiers d’une grande histoire et du grand message humaniste adressé au monde. </a:t>
             </a:r>
             <a:endParaRPr lang="fr-FR" i="1" smtClean="0"/>
           </a:p>
@@ -7105,11 +9439,7 @@
             </a:r>
             <a:r>
               <a:rPr lang="fr-FR" i="1"/>
-              <a:t>devons les transmettre d’abord à nos enfants, mais plus important encore</a:t>
-            </a:r>
-            <a:r>
-              <a:rPr lang="fr-FR" i="1"/>
-              <a:t>, </a:t>
+              <a:t>devons les transmettre d’abord à nos enfants, mais plus important encore, </a:t>
             </a:r>
             <a:endParaRPr lang="fr-FR" i="1" smtClean="0"/>
           </a:p>
@@ -7120,11 +9450,7 @@
             </a:r>
             <a:r>
               <a:rPr lang="fr-FR" i="1"/>
-              <a:t>faut les porter vers l’avenir et leur donner une sève </a:t>
-            </a:r>
-            <a:r>
-              <a:rPr lang="fr-FR" i="1"/>
-              <a:t>nouvelle</a:t>
+              <a:t>faut les porter vers l’avenir et leur donner une sève nouvelle</a:t>
             </a:r>
             <a:r>
               <a:rPr lang="fr-FR" i="1" smtClean="0"/>
@@ -7183,14 +9509,6 @@
               </a:rPr>
               <a:t>Corpus</a:t>
             </a:r>
-            <a:endParaRPr lang="en-US" sz="3600" b="1" smtClean="0">
-              <a:solidFill>
-                <a:srgbClr val="ED5B00"/>
-              </a:solidFill>
-              <a:latin typeface="Arial" charset="0"/>
-              <a:ea typeface="Arial" charset="0"/>
-              <a:cs typeface="Arial" charset="0"/>
-            </a:endParaRPr>
           </a:p>
         </p:txBody>
       </p:sp>
@@ -7257,14 +9575,6 @@
               </a:rPr>
               <a:t>Bag of Words</a:t>
             </a:r>
-            <a:endParaRPr lang="en-US" sz="3600" b="1" smtClean="0">
-              <a:solidFill>
-                <a:srgbClr val="ED5B00"/>
-              </a:solidFill>
-              <a:latin typeface="Arial" charset="0"/>
-              <a:ea typeface="Arial" charset="0"/>
-              <a:cs typeface="Arial" charset="0"/>
-            </a:endParaRPr>
           </a:p>
         </p:txBody>
       </p:sp>
@@ -7331,14 +9641,6 @@
               </a:rPr>
               <a:t>Approche deterministe: Tf-Idf</a:t>
             </a:r>
-            <a:endParaRPr lang="en-US" sz="3600" b="1" smtClean="0">
-              <a:solidFill>
-                <a:srgbClr val="ED5B00"/>
-              </a:solidFill>
-              <a:latin typeface="Arial" charset="0"/>
-              <a:ea typeface="Arial" charset="0"/>
-              <a:cs typeface="Arial" charset="0"/>
-            </a:endParaRPr>
           </a:p>
         </p:txBody>
       </p:sp>
@@ -7405,14 +9707,6 @@
               </a:rPr>
               <a:t>Approche deterministe: LSA</a:t>
             </a:r>
-            <a:endParaRPr lang="en-US" sz="3600" b="1" smtClean="0">
-              <a:solidFill>
-                <a:srgbClr val="ED5B00"/>
-              </a:solidFill>
-              <a:latin typeface="Arial" charset="0"/>
-              <a:ea typeface="Arial" charset="0"/>
-              <a:cs typeface="Arial" charset="0"/>
-            </a:endParaRPr>
           </a:p>
         </p:txBody>
       </p:sp>
